--- a/presentation/IssueTracker/KirályDávid/KiralyDavid.pptx
+++ b/presentation/IssueTracker/KirályDávid/KiralyDavid.pptx
@@ -5,19 +5,18 @@
     <p:sldMasterId id="2147483660" r:id="rId4"/>
   </p:sldMasterIdLst>
   <p:notesMasterIdLst>
-    <p:notesMasterId r:id="rId15"/>
+    <p:notesMasterId r:id="rId14"/>
   </p:notesMasterIdLst>
   <p:sldIdLst>
     <p:sldId id="268" r:id="rId5"/>
     <p:sldId id="267" r:id="rId6"/>
     <p:sldId id="278" r:id="rId7"/>
     <p:sldId id="279" r:id="rId8"/>
-    <p:sldId id="280" r:id="rId9"/>
-    <p:sldId id="281" r:id="rId10"/>
-    <p:sldId id="282" r:id="rId11"/>
-    <p:sldId id="284" r:id="rId12"/>
-    <p:sldId id="283" r:id="rId13"/>
-    <p:sldId id="258" r:id="rId14"/>
+    <p:sldId id="281" r:id="rId9"/>
+    <p:sldId id="282" r:id="rId10"/>
+    <p:sldId id="284" r:id="rId11"/>
+    <p:sldId id="283" r:id="rId12"/>
+    <p:sldId id="258" r:id="rId13"/>
   </p:sldIdLst>
   <p:sldSz cx="9144000" cy="5143500" type="screen16x9"/>
   <p:notesSz cx="6858000" cy="9144000"/>
@@ -238,7 +237,7 @@
             <a:fld id="{108E5D05-7368-4B91-AD81-999E65E8BFFE}" type="datetimeFigureOut">
               <a:rPr lang="hu-HU" smtClean="0"/>
               <a:pPr/>
-              <a:t>2017. 03. 06.</a:t>
+              <a:t>2017. 03. 07.</a:t>
             </a:fld>
             <a:endParaRPr lang="hu-HU"/>
           </a:p>
@@ -585,91 +584,6 @@
 </p:notes>
 </file>
 
-<file path=ppt/notesSlides/notesSlide10.xml><?xml version="1.0" encoding="utf-8"?>
-<p:notes xmlns:a="http://schemas.openxmlformats.org/drawingml/2006/main" xmlns:r="http://schemas.openxmlformats.org/officeDocument/2006/relationships" xmlns:p="http://schemas.openxmlformats.org/presentationml/2006/main">
-  <p:cSld>
-    <p:spTree>
-      <p:nvGrpSpPr>
-        <p:cNvPr id="1" name=""/>
-        <p:cNvGrpSpPr/>
-        <p:nvPr/>
-      </p:nvGrpSpPr>
-      <p:grpSpPr>
-        <a:xfrm>
-          <a:off x="0" y="0"/>
-          <a:ext cx="0" cy="0"/>
-          <a:chOff x="0" y="0"/>
-          <a:chExt cx="0" cy="0"/>
-        </a:xfrm>
-      </p:grpSpPr>
-      <p:sp>
-        <p:nvSpPr>
-          <p:cNvPr id="2" name="Diakép helye 1"/>
-          <p:cNvSpPr>
-            <a:spLocks noGrp="1" noRot="1" noChangeAspect="1"/>
-          </p:cNvSpPr>
-          <p:nvPr>
-            <p:ph type="sldImg"/>
-          </p:nvPr>
-        </p:nvSpPr>
-        <p:spPr/>
-      </p:sp>
-      <p:sp>
-        <p:nvSpPr>
-          <p:cNvPr id="3" name="Jegyzetek helye 2"/>
-          <p:cNvSpPr>
-            <a:spLocks noGrp="1"/>
-          </p:cNvSpPr>
-          <p:nvPr>
-            <p:ph type="body" idx="1"/>
-          </p:nvPr>
-        </p:nvSpPr>
-        <p:spPr/>
-        <p:txBody>
-          <a:bodyPr/>
-          <a:lstStyle/>
-          <a:p>
-            <a:endParaRPr lang="hu-HU" dirty="0"/>
-          </a:p>
-        </p:txBody>
-      </p:sp>
-      <p:sp>
-        <p:nvSpPr>
-          <p:cNvPr id="4" name="Dia számának helye 3"/>
-          <p:cNvSpPr>
-            <a:spLocks noGrp="1"/>
-          </p:cNvSpPr>
-          <p:nvPr>
-            <p:ph type="sldNum" sz="quarter" idx="10"/>
-          </p:nvPr>
-        </p:nvSpPr>
-        <p:spPr/>
-        <p:txBody>
-          <a:bodyPr/>
-          <a:lstStyle/>
-          <a:p>
-            <a:fld id="{37F5BA7A-53FA-4B64-BA9D-1AFB6F476CB1}" type="slidenum">
-              <a:rPr lang="hu-HU" smtClean="0"/>
-              <a:pPr/>
-              <a:t>10</a:t>
-            </a:fld>
-            <a:endParaRPr lang="hu-HU"/>
-          </a:p>
-        </p:txBody>
-      </p:sp>
-    </p:spTree>
-    <p:extLst>
-      <p:ext uri="{BB962C8B-B14F-4D97-AF65-F5344CB8AC3E}">
-        <p14:creationId xmlns:p14="http://schemas.microsoft.com/office/powerpoint/2010/main" val="1162455613"/>
-      </p:ext>
-    </p:extLst>
-  </p:cSld>
-  <p:clrMapOvr>
-    <a:masterClrMapping/>
-  </p:clrMapOvr>
-</p:notes>
-</file>
-
 <file path=ppt/notesSlides/notesSlide2.xml><?xml version="1.0" encoding="utf-8"?>
 <p:notes xmlns:a="http://schemas.openxmlformats.org/drawingml/2006/main" xmlns:r="http://schemas.openxmlformats.org/officeDocument/2006/relationships" xmlns:p="http://schemas.openxmlformats.org/presentationml/2006/main">
   <p:cSld>
@@ -1003,7 +917,7 @@
     </p:spTree>
     <p:extLst>
       <p:ext uri="{BB962C8B-B14F-4D97-AF65-F5344CB8AC3E}">
-        <p14:creationId xmlns:p14="http://schemas.microsoft.com/office/powerpoint/2010/main" val="842150309"/>
+        <p14:creationId xmlns:p14="http://schemas.microsoft.com/office/powerpoint/2010/main" val="818167211"/>
       </p:ext>
     </p:extLst>
   </p:cSld>
@@ -1090,7 +1004,7 @@
     </p:spTree>
     <p:extLst>
       <p:ext uri="{BB962C8B-B14F-4D97-AF65-F5344CB8AC3E}">
-        <p14:creationId xmlns:p14="http://schemas.microsoft.com/office/powerpoint/2010/main" val="818167211"/>
+        <p14:creationId xmlns:p14="http://schemas.microsoft.com/office/powerpoint/2010/main" val="1941567523"/>
       </p:ext>
     </p:extLst>
   </p:cSld>
@@ -1177,7 +1091,7 @@
     </p:spTree>
     <p:extLst>
       <p:ext uri="{BB962C8B-B14F-4D97-AF65-F5344CB8AC3E}">
-        <p14:creationId xmlns:p14="http://schemas.microsoft.com/office/powerpoint/2010/main" val="1941567523"/>
+        <p14:creationId xmlns:p14="http://schemas.microsoft.com/office/powerpoint/2010/main" val="3044674858"/>
       </p:ext>
     </p:extLst>
   </p:cSld>
@@ -1264,7 +1178,7 @@
     </p:spTree>
     <p:extLst>
       <p:ext uri="{BB962C8B-B14F-4D97-AF65-F5344CB8AC3E}">
-        <p14:creationId xmlns:p14="http://schemas.microsoft.com/office/powerpoint/2010/main" val="3044674858"/>
+        <p14:creationId xmlns:p14="http://schemas.microsoft.com/office/powerpoint/2010/main" val="2436643596"/>
       </p:ext>
     </p:extLst>
   </p:cSld>
@@ -1315,12 +1229,10 @@
         </p:nvSpPr>
         <p:spPr/>
         <p:txBody>
-          <a:bodyPr>
-            <a:normAutofit/>
-          </a:bodyPr>
-          <a:lstStyle/>
-          <a:p>
-            <a:endParaRPr lang="hu-HU" baseline="0" dirty="0"/>
+          <a:bodyPr/>
+          <a:lstStyle/>
+          <a:p>
+            <a:endParaRPr lang="hu-HU" dirty="0"/>
           </a:p>
         </p:txBody>
       </p:sp>
@@ -1351,7 +1263,7 @@
     </p:spTree>
     <p:extLst>
       <p:ext uri="{BB962C8B-B14F-4D97-AF65-F5344CB8AC3E}">
-        <p14:creationId xmlns:p14="http://schemas.microsoft.com/office/powerpoint/2010/main" val="2436643596"/>
+        <p14:creationId xmlns:p14="http://schemas.microsoft.com/office/powerpoint/2010/main" val="1162455613"/>
       </p:ext>
     </p:extLst>
   </p:cSld>
@@ -1493,7 +1405,7 @@
             <a:fld id="{C6E8B002-83F0-41C5-A7B7-2819A96BD9B2}" type="datetimeFigureOut">
               <a:rPr lang="hu-HU" smtClean="0"/>
               <a:pPr/>
-              <a:t>2017. 03. 06.</a:t>
+              <a:t>2017. 03. 07.</a:t>
             </a:fld>
             <a:endParaRPr lang="hu-HU"/>
           </a:p>
@@ -1665,7 +1577,7 @@
             <a:fld id="{C6E8B002-83F0-41C5-A7B7-2819A96BD9B2}" type="datetimeFigureOut">
               <a:rPr lang="hu-HU" smtClean="0"/>
               <a:pPr/>
-              <a:t>2017. 03. 06.</a:t>
+              <a:t>2017. 03. 07.</a:t>
             </a:fld>
             <a:endParaRPr lang="hu-HU"/>
           </a:p>
@@ -1847,7 +1759,7 @@
             <a:fld id="{C6E8B002-83F0-41C5-A7B7-2819A96BD9B2}" type="datetimeFigureOut">
               <a:rPr lang="hu-HU" smtClean="0"/>
               <a:pPr/>
-              <a:t>2017. 03. 06.</a:t>
+              <a:t>2017. 03. 07.</a:t>
             </a:fld>
             <a:endParaRPr lang="hu-HU"/>
           </a:p>
@@ -2019,7 +1931,7 @@
             <a:fld id="{C6E8B002-83F0-41C5-A7B7-2819A96BD9B2}" type="datetimeFigureOut">
               <a:rPr lang="hu-HU" smtClean="0"/>
               <a:pPr/>
-              <a:t>2017. 03. 06.</a:t>
+              <a:t>2017. 03. 07.</a:t>
             </a:fld>
             <a:endParaRPr lang="hu-HU"/>
           </a:p>
@@ -2265,7 +2177,7 @@
             <a:fld id="{C6E8B002-83F0-41C5-A7B7-2819A96BD9B2}" type="datetimeFigureOut">
               <a:rPr lang="hu-HU" smtClean="0"/>
               <a:pPr/>
-              <a:t>2017. 03. 06.</a:t>
+              <a:t>2017. 03. 07.</a:t>
             </a:fld>
             <a:endParaRPr lang="hu-HU"/>
           </a:p>
@@ -2499,7 +2411,7 @@
             <a:fld id="{C6E8B002-83F0-41C5-A7B7-2819A96BD9B2}" type="datetimeFigureOut">
               <a:rPr lang="hu-HU" smtClean="0"/>
               <a:pPr/>
-              <a:t>2017. 03. 06.</a:t>
+              <a:t>2017. 03. 07.</a:t>
             </a:fld>
             <a:endParaRPr lang="hu-HU"/>
           </a:p>
@@ -2868,7 +2780,7 @@
             <a:fld id="{C6E8B002-83F0-41C5-A7B7-2819A96BD9B2}" type="datetimeFigureOut">
               <a:rPr lang="hu-HU" smtClean="0"/>
               <a:pPr/>
-              <a:t>2017. 03. 06.</a:t>
+              <a:t>2017. 03. 07.</a:t>
             </a:fld>
             <a:endParaRPr lang="hu-HU"/>
           </a:p>
@@ -2988,7 +2900,7 @@
             <a:fld id="{C6E8B002-83F0-41C5-A7B7-2819A96BD9B2}" type="datetimeFigureOut">
               <a:rPr lang="hu-HU" smtClean="0"/>
               <a:pPr/>
-              <a:t>2017. 03. 06.</a:t>
+              <a:t>2017. 03. 07.</a:t>
             </a:fld>
             <a:endParaRPr lang="hu-HU"/>
           </a:p>
@@ -3085,7 +2997,7 @@
             <a:fld id="{C6E8B002-83F0-41C5-A7B7-2819A96BD9B2}" type="datetimeFigureOut">
               <a:rPr lang="hu-HU" smtClean="0"/>
               <a:pPr/>
-              <a:t>2017. 03. 06.</a:t>
+              <a:t>2017. 03. 07.</a:t>
             </a:fld>
             <a:endParaRPr lang="hu-HU"/>
           </a:p>
@@ -3364,7 +3276,7 @@
             <a:fld id="{C6E8B002-83F0-41C5-A7B7-2819A96BD9B2}" type="datetimeFigureOut">
               <a:rPr lang="hu-HU" smtClean="0"/>
               <a:pPr/>
-              <a:t>2017. 03. 06.</a:t>
+              <a:t>2017. 03. 07.</a:t>
             </a:fld>
             <a:endParaRPr lang="hu-HU"/>
           </a:p>
@@ -3623,7 +3535,7 @@
             <a:fld id="{C6E8B002-83F0-41C5-A7B7-2819A96BD9B2}" type="datetimeFigureOut">
               <a:rPr lang="hu-HU" smtClean="0"/>
               <a:pPr/>
-              <a:t>2017. 03. 06.</a:t>
+              <a:t>2017. 03. 07.</a:t>
             </a:fld>
             <a:endParaRPr lang="hu-HU"/>
           </a:p>
@@ -3845,7 +3757,7 @@
             <a:fld id="{C6E8B002-83F0-41C5-A7B7-2819A96BD9B2}" type="datetimeFigureOut">
               <a:rPr lang="hu-HU" smtClean="0"/>
               <a:pPr/>
-              <a:t>2017. 03. 06.</a:t>
+              <a:t>2017. 03. 07.</a:t>
             </a:fld>
             <a:endParaRPr lang="hu-HU"/>
           </a:p>
@@ -4337,7 +4249,1412 @@
 </p:sld>
 </file>
 
-<file path=ppt/slides/slide10.xml><?xml version="1.0" encoding="utf-8"?>
+<file path=ppt/slides/slide2.xml><?xml version="1.0" encoding="utf-8"?>
+<p:sld xmlns:a="http://schemas.openxmlformats.org/drawingml/2006/main" xmlns:r="http://schemas.openxmlformats.org/officeDocument/2006/relationships" xmlns:p="http://schemas.openxmlformats.org/presentationml/2006/main">
+  <p:cSld>
+    <p:spTree>
+      <p:nvGrpSpPr>
+        <p:cNvPr id="1" name=""/>
+        <p:cNvGrpSpPr/>
+        <p:nvPr/>
+      </p:nvGrpSpPr>
+      <p:grpSpPr>
+        <a:xfrm>
+          <a:off x="0" y="0"/>
+          <a:ext cx="0" cy="0"/>
+          <a:chOff x="0" y="0"/>
+          <a:chExt cx="0" cy="0"/>
+        </a:xfrm>
+      </p:grpSpPr>
+      <p:pic>
+        <p:nvPicPr>
+          <p:cNvPr id="5" name="Picture" descr="C:\Users\Dávd\Downloads\Király Dávid.jpg"/>
+          <p:cNvPicPr/>
+          <p:nvPr/>
+        </p:nvPicPr>
+        <p:blipFill>
+          <a:blip r:embed="rId3"/>
+          <a:stretch>
+            <a:fillRect/>
+          </a:stretch>
+        </p:blipFill>
+        <p:spPr bwMode="auto">
+          <a:xfrm>
+            <a:off x="5154742" y="1246138"/>
+            <a:ext cx="2269136" cy="3264453"/>
+          </a:xfrm>
+          <a:prstGeom prst="rect">
+            <a:avLst/>
+          </a:prstGeom>
+          <a:noFill/>
+          <a:ln w="9525">
+            <a:noFill/>
+            <a:miter lim="800000"/>
+            <a:headEnd/>
+            <a:tailEnd/>
+          </a:ln>
+        </p:spPr>
+      </p:pic>
+      <p:sp>
+        <p:nvSpPr>
+          <p:cNvPr id="2" name="Cím 1"/>
+          <p:cNvSpPr>
+            <a:spLocks noGrp="1"/>
+          </p:cNvSpPr>
+          <p:nvPr>
+            <p:ph type="ctrTitle"/>
+          </p:nvPr>
+        </p:nvSpPr>
+        <p:spPr>
+          <a:xfrm rot="20305361">
+            <a:off x="7446477" y="153351"/>
+            <a:ext cx="1548465" cy="417968"/>
+          </a:xfrm>
+        </p:spPr>
+        <p:txBody>
+          <a:bodyPr>
+            <a:normAutofit/>
+          </a:bodyPr>
+          <a:lstStyle/>
+          <a:p>
+            <a:r>
+              <a:rPr lang="hu-HU" sz="1800" dirty="0" err="1"/>
+              <a:t>Issue</a:t>
+            </a:r>
+            <a:r>
+              <a:rPr lang="hu-HU" sz="1800" dirty="0"/>
+              <a:t> </a:t>
+            </a:r>
+            <a:r>
+              <a:rPr lang="hu-HU" sz="1800" dirty="0" err="1"/>
+              <a:t>Tracker</a:t>
+            </a:r>
+            <a:endParaRPr lang="hu-HU" sz="1800" dirty="0"/>
+          </a:p>
+        </p:txBody>
+      </p:sp>
+      <p:sp>
+        <p:nvSpPr>
+          <p:cNvPr id="4" name="Szövegdoboz 3"/>
+          <p:cNvSpPr txBox="1"/>
+          <p:nvPr/>
+        </p:nvSpPr>
+        <p:spPr>
+          <a:xfrm>
+            <a:off x="434715" y="1246138"/>
+            <a:ext cx="4317167" cy="1877437"/>
+          </a:xfrm>
+          <a:prstGeom prst="rect">
+            <a:avLst/>
+          </a:prstGeom>
+          <a:noFill/>
+        </p:spPr>
+        <p:txBody>
+          <a:bodyPr wrap="square" rtlCol="0">
+            <a:spAutoFit/>
+          </a:bodyPr>
+          <a:lstStyle/>
+          <a:p>
+            <a:endParaRPr lang="hu-HU" sz="3200" dirty="0"/>
+          </a:p>
+          <a:p>
+            <a:r>
+              <a:rPr lang="hu-HU" sz="3200" dirty="0"/>
+              <a:t>      </a:t>
+            </a:r>
+          </a:p>
+          <a:p>
+            <a:pPr algn="ctr"/>
+            <a:r>
+              <a:rPr lang="hu-HU" sz="3200" dirty="0"/>
+              <a:t> Király Dávid</a:t>
+            </a:r>
+          </a:p>
+          <a:p>
+            <a:pPr algn="ctr"/>
+            <a:r>
+              <a:rPr lang="hu-HU" sz="2000" dirty="0"/>
+              <a:t>Programtervező Informatikus </a:t>
+            </a:r>
+            <a:r>
+              <a:rPr lang="hu-HU" sz="2000" dirty="0" err="1"/>
+              <a:t>Bsc</a:t>
+            </a:r>
+            <a:r>
+              <a:rPr lang="hu-HU" sz="2000" dirty="0"/>
+              <a:t>.</a:t>
+            </a:r>
+          </a:p>
+        </p:txBody>
+      </p:sp>
+    </p:spTree>
+    <p:extLst>
+      <p:ext uri="{BB962C8B-B14F-4D97-AF65-F5344CB8AC3E}">
+        <p14:creationId xmlns:p14="http://schemas.microsoft.com/office/powerpoint/2010/main" val="1869678207"/>
+      </p:ext>
+    </p:extLst>
+  </p:cSld>
+  <p:clrMapOvr>
+    <a:masterClrMapping/>
+  </p:clrMapOvr>
+</p:sld>
+</file>
+
+<file path=ppt/slides/slide3.xml><?xml version="1.0" encoding="utf-8"?>
+<p:sld xmlns:a="http://schemas.openxmlformats.org/drawingml/2006/main" xmlns:r="http://schemas.openxmlformats.org/officeDocument/2006/relationships" xmlns:p="http://schemas.openxmlformats.org/presentationml/2006/main">
+  <p:cSld>
+    <p:spTree>
+      <p:nvGrpSpPr>
+        <p:cNvPr id="1" name=""/>
+        <p:cNvGrpSpPr/>
+        <p:nvPr/>
+      </p:nvGrpSpPr>
+      <p:grpSpPr>
+        <a:xfrm>
+          <a:off x="0" y="0"/>
+          <a:ext cx="0" cy="0"/>
+          <a:chOff x="0" y="0"/>
+          <a:chExt cx="0" cy="0"/>
+        </a:xfrm>
+      </p:grpSpPr>
+      <p:sp>
+        <p:nvSpPr>
+          <p:cNvPr id="2" name="Cím 1"/>
+          <p:cNvSpPr>
+            <a:spLocks noGrp="1"/>
+          </p:cNvSpPr>
+          <p:nvPr>
+            <p:ph type="title"/>
+          </p:nvPr>
+        </p:nvSpPr>
+        <p:spPr>
+          <a:xfrm>
+            <a:off x="628650" y="817417"/>
+            <a:ext cx="7886700" cy="450599"/>
+          </a:xfrm>
+        </p:spPr>
+        <p:txBody>
+          <a:bodyPr>
+            <a:noAutofit/>
+          </a:bodyPr>
+          <a:lstStyle/>
+          <a:p>
+            <a:r>
+              <a:rPr lang="hu-HU" sz="3200" b="1" dirty="0"/>
+              <a:t>Feladataink</a:t>
+            </a:r>
+          </a:p>
+        </p:txBody>
+      </p:sp>
+      <p:sp>
+        <p:nvSpPr>
+          <p:cNvPr id="7" name="Tartalom helye 6"/>
+          <p:cNvSpPr>
+            <a:spLocks noGrp="1"/>
+          </p:cNvSpPr>
+          <p:nvPr>
+            <p:ph idx="1"/>
+          </p:nvPr>
+        </p:nvSpPr>
+        <p:spPr/>
+        <p:txBody>
+          <a:bodyPr>
+            <a:normAutofit/>
+          </a:bodyPr>
+          <a:lstStyle/>
+          <a:p>
+            <a:pPr marL="285750" indent="-285750"/>
+            <a:r>
+              <a:rPr lang="hu-HU" sz="2400" dirty="0"/>
+              <a:t>Hibajegyek felvétele</a:t>
+            </a:r>
+          </a:p>
+          <a:p>
+            <a:pPr marL="285750" indent="-285750"/>
+            <a:r>
+              <a:rPr lang="hu-HU" sz="2400" dirty="0"/>
+              <a:t>Tárolása</a:t>
+            </a:r>
+          </a:p>
+          <a:p>
+            <a:pPr marL="285750" indent="-285750"/>
+            <a:r>
+              <a:rPr lang="hu-HU" sz="2400" dirty="0"/>
+              <a:t>Kezelése</a:t>
+            </a:r>
+          </a:p>
+          <a:p>
+            <a:pPr marL="285750" indent="-285750"/>
+            <a:r>
+              <a:rPr lang="hu-HU" sz="2400" dirty="0"/>
+              <a:t>Statisztikák készítése </a:t>
+            </a:r>
+          </a:p>
+        </p:txBody>
+      </p:sp>
+      <p:sp>
+        <p:nvSpPr>
+          <p:cNvPr id="5" name="Cím 1"/>
+          <p:cNvSpPr txBox="1">
+            <a:spLocks/>
+          </p:cNvSpPr>
+          <p:nvPr/>
+        </p:nvSpPr>
+        <p:spPr>
+          <a:xfrm rot="20305361">
+            <a:off x="7446477" y="153351"/>
+            <a:ext cx="1548465" cy="417968"/>
+          </a:xfrm>
+          <a:prstGeom prst="rect">
+            <a:avLst/>
+          </a:prstGeom>
+        </p:spPr>
+        <p:txBody>
+          <a:bodyPr vert="horz" lIns="91440" tIns="45720" rIns="91440" bIns="45720" rtlCol="0" anchor="b">
+            <a:normAutofit/>
+          </a:bodyPr>
+          <a:lstStyle>
+            <a:lvl1pPr algn="ctr" defTabSz="914400" rtl="0" eaLnBrk="1" latinLnBrk="0" hangingPunct="1">
+              <a:lnSpc>
+                <a:spcPct val="90000"/>
+              </a:lnSpc>
+              <a:spcBef>
+                <a:spcPct val="0"/>
+              </a:spcBef>
+              <a:buNone/>
+              <a:defRPr sz="6000" kern="1200">
+                <a:solidFill>
+                  <a:schemeClr val="tx1"/>
+                </a:solidFill>
+                <a:latin typeface="+mj-lt"/>
+                <a:ea typeface="+mj-ea"/>
+                <a:cs typeface="+mj-cs"/>
+              </a:defRPr>
+            </a:lvl1pPr>
+          </a:lstStyle>
+          <a:p>
+            <a:r>
+              <a:rPr lang="hu-HU" sz="1800" dirty="0" err="1"/>
+              <a:t>Issue</a:t>
+            </a:r>
+            <a:r>
+              <a:rPr lang="hu-HU" sz="1800" dirty="0"/>
+              <a:t> </a:t>
+            </a:r>
+            <a:r>
+              <a:rPr lang="hu-HU" sz="1800" dirty="0" err="1"/>
+              <a:t>Tracker</a:t>
+            </a:r>
+            <a:endParaRPr lang="hu-HU" sz="1800" dirty="0"/>
+          </a:p>
+        </p:txBody>
+      </p:sp>
+      <p:pic>
+        <p:nvPicPr>
+          <p:cNvPr id="4" name="Kép 3"/>
+          <p:cNvPicPr>
+            <a:picLocks noChangeAspect="1"/>
+          </p:cNvPicPr>
+          <p:nvPr/>
+        </p:nvPicPr>
+        <p:blipFill>
+          <a:blip r:embed="rId3">
+            <a:extLst>
+              <a:ext uri="{28A0092B-C50C-407E-A947-70E740481C1C}">
+                <a14:useLocalDpi xmlns:a14="http://schemas.microsoft.com/office/drawing/2010/main" val="0"/>
+              </a:ext>
+            </a:extLst>
+          </a:blip>
+          <a:stretch>
+            <a:fillRect/>
+          </a:stretch>
+        </p:blipFill>
+        <p:spPr>
+          <a:xfrm>
+            <a:off x="4941276" y="1775553"/>
+            <a:ext cx="2857500" cy="2857500"/>
+          </a:xfrm>
+          <a:prstGeom prst="rect">
+            <a:avLst/>
+          </a:prstGeom>
+        </p:spPr>
+      </p:pic>
+    </p:spTree>
+    <p:extLst>
+      <p:ext uri="{BB962C8B-B14F-4D97-AF65-F5344CB8AC3E}">
+        <p14:creationId xmlns:p14="http://schemas.microsoft.com/office/powerpoint/2010/main" val="2025365091"/>
+      </p:ext>
+    </p:extLst>
+  </p:cSld>
+  <p:clrMapOvr>
+    <a:masterClrMapping/>
+  </p:clrMapOvr>
+</p:sld>
+</file>
+
+<file path=ppt/slides/slide4.xml><?xml version="1.0" encoding="utf-8"?>
+<p:sld xmlns:a="http://schemas.openxmlformats.org/drawingml/2006/main" xmlns:r="http://schemas.openxmlformats.org/officeDocument/2006/relationships" xmlns:p="http://schemas.openxmlformats.org/presentationml/2006/main">
+  <p:cSld>
+    <p:spTree>
+      <p:nvGrpSpPr>
+        <p:cNvPr id="1" name=""/>
+        <p:cNvGrpSpPr/>
+        <p:nvPr/>
+      </p:nvGrpSpPr>
+      <p:grpSpPr>
+        <a:xfrm>
+          <a:off x="0" y="0"/>
+          <a:ext cx="0" cy="0"/>
+          <a:chOff x="0" y="0"/>
+          <a:chExt cx="0" cy="0"/>
+        </a:xfrm>
+      </p:grpSpPr>
+      <p:pic>
+        <p:nvPicPr>
+          <p:cNvPr id="4" name="Kép 3"/>
+          <p:cNvPicPr>
+            <a:picLocks noChangeAspect="1"/>
+          </p:cNvPicPr>
+          <p:nvPr/>
+        </p:nvPicPr>
+        <p:blipFill>
+          <a:blip r:embed="rId3">
+            <a:extLst>
+              <a:ext uri="{28A0092B-C50C-407E-A947-70E740481C1C}">
+                <a14:useLocalDpi xmlns:a14="http://schemas.microsoft.com/office/drawing/2010/main" val="0"/>
+              </a:ext>
+            </a:extLst>
+          </a:blip>
+          <a:stretch>
+            <a:fillRect/>
+          </a:stretch>
+        </p:blipFill>
+        <p:spPr>
+          <a:xfrm>
+            <a:off x="3645511" y="1806655"/>
+            <a:ext cx="4224325" cy="2862638"/>
+          </a:xfrm>
+          <a:prstGeom prst="rect">
+            <a:avLst/>
+          </a:prstGeom>
+        </p:spPr>
+      </p:pic>
+      <p:sp>
+        <p:nvSpPr>
+          <p:cNvPr id="2" name="Cím 1"/>
+          <p:cNvSpPr>
+            <a:spLocks noGrp="1"/>
+          </p:cNvSpPr>
+          <p:nvPr>
+            <p:ph type="title"/>
+          </p:nvPr>
+        </p:nvSpPr>
+        <p:spPr>
+          <a:xfrm>
+            <a:off x="628650" y="817417"/>
+            <a:ext cx="7886700" cy="450599"/>
+          </a:xfrm>
+        </p:spPr>
+        <p:txBody>
+          <a:bodyPr>
+            <a:noAutofit/>
+          </a:bodyPr>
+          <a:lstStyle/>
+          <a:p>
+            <a:r>
+              <a:rPr lang="hu-HU" sz="3200" b="1" dirty="0"/>
+              <a:t>Csapatmunka</a:t>
+            </a:r>
+          </a:p>
+        </p:txBody>
+      </p:sp>
+      <p:sp>
+        <p:nvSpPr>
+          <p:cNvPr id="7" name="Tartalom helye 6"/>
+          <p:cNvSpPr>
+            <a:spLocks noGrp="1"/>
+          </p:cNvSpPr>
+          <p:nvPr>
+            <p:ph idx="1"/>
+          </p:nvPr>
+        </p:nvSpPr>
+        <p:spPr/>
+        <p:txBody>
+          <a:bodyPr>
+            <a:normAutofit/>
+          </a:bodyPr>
+          <a:lstStyle/>
+          <a:p>
+            <a:pPr marL="285750" indent="-285750"/>
+            <a:r>
+              <a:rPr lang="hu-HU" sz="2400" dirty="0"/>
+              <a:t>Nagyobb feladatok felbontása kisebb </a:t>
+            </a:r>
+            <a:r>
+              <a:rPr lang="hu-HU" sz="2400" dirty="0" err="1"/>
+              <a:t>taskokra</a:t>
+            </a:r>
+            <a:endParaRPr lang="hu-HU" sz="2400" dirty="0"/>
+          </a:p>
+          <a:p>
+            <a:pPr marL="285750" indent="-285750"/>
+            <a:r>
+              <a:rPr lang="hu-HU" sz="2400" dirty="0"/>
+              <a:t>Tesztek írása a szolgáltatásokhoz</a:t>
+            </a:r>
+          </a:p>
+          <a:p>
+            <a:pPr marL="285750" indent="-285750"/>
+            <a:r>
+              <a:rPr lang="hu-HU" sz="2400" dirty="0"/>
+              <a:t>Heti </a:t>
+            </a:r>
+            <a:r>
+              <a:rPr lang="hu-HU" sz="2400" dirty="0" err="1"/>
+              <a:t>demózás</a:t>
+            </a:r>
+            <a:endParaRPr lang="hu-HU" sz="2400" dirty="0"/>
+          </a:p>
+          <a:p>
+            <a:pPr marL="285750" indent="-285750"/>
+            <a:r>
+              <a:rPr lang="hu-HU" sz="2400" dirty="0"/>
+              <a:t>Iteratív fejlesztés</a:t>
+            </a:r>
+          </a:p>
+        </p:txBody>
+      </p:sp>
+      <p:sp>
+        <p:nvSpPr>
+          <p:cNvPr id="5" name="Cím 1"/>
+          <p:cNvSpPr txBox="1">
+            <a:spLocks/>
+          </p:cNvSpPr>
+          <p:nvPr/>
+        </p:nvSpPr>
+        <p:spPr>
+          <a:xfrm rot="20305361">
+            <a:off x="7446477" y="153351"/>
+            <a:ext cx="1548465" cy="417968"/>
+          </a:xfrm>
+          <a:prstGeom prst="rect">
+            <a:avLst/>
+          </a:prstGeom>
+        </p:spPr>
+        <p:txBody>
+          <a:bodyPr vert="horz" lIns="91440" tIns="45720" rIns="91440" bIns="45720" rtlCol="0" anchor="b">
+            <a:normAutofit/>
+          </a:bodyPr>
+          <a:lstStyle>
+            <a:lvl1pPr algn="ctr" defTabSz="914400" rtl="0" eaLnBrk="1" latinLnBrk="0" hangingPunct="1">
+              <a:lnSpc>
+                <a:spcPct val="90000"/>
+              </a:lnSpc>
+              <a:spcBef>
+                <a:spcPct val="0"/>
+              </a:spcBef>
+              <a:buNone/>
+              <a:defRPr sz="6000" kern="1200">
+                <a:solidFill>
+                  <a:schemeClr val="tx1"/>
+                </a:solidFill>
+                <a:latin typeface="+mj-lt"/>
+                <a:ea typeface="+mj-ea"/>
+                <a:cs typeface="+mj-cs"/>
+              </a:defRPr>
+            </a:lvl1pPr>
+          </a:lstStyle>
+          <a:p>
+            <a:r>
+              <a:rPr lang="hu-HU" sz="1800" dirty="0" err="1"/>
+              <a:t>Issue</a:t>
+            </a:r>
+            <a:r>
+              <a:rPr lang="hu-HU" sz="1800" dirty="0"/>
+              <a:t> </a:t>
+            </a:r>
+            <a:r>
+              <a:rPr lang="hu-HU" sz="1800" dirty="0" err="1"/>
+              <a:t>Tracker</a:t>
+            </a:r>
+            <a:endParaRPr lang="hu-HU" sz="1800" dirty="0"/>
+          </a:p>
+        </p:txBody>
+      </p:sp>
+    </p:spTree>
+    <p:extLst>
+      <p:ext uri="{BB962C8B-B14F-4D97-AF65-F5344CB8AC3E}">
+        <p14:creationId xmlns:p14="http://schemas.microsoft.com/office/powerpoint/2010/main" val="156947196"/>
+      </p:ext>
+    </p:extLst>
+  </p:cSld>
+  <p:clrMapOvr>
+    <a:masterClrMapping/>
+  </p:clrMapOvr>
+</p:sld>
+</file>
+
+<file path=ppt/slides/slide5.xml><?xml version="1.0" encoding="utf-8"?>
+<p:sld xmlns:a="http://schemas.openxmlformats.org/drawingml/2006/main" xmlns:r="http://schemas.openxmlformats.org/officeDocument/2006/relationships" xmlns:p="http://schemas.openxmlformats.org/presentationml/2006/main">
+  <p:cSld>
+    <p:spTree>
+      <p:nvGrpSpPr>
+        <p:cNvPr id="1" name=""/>
+        <p:cNvGrpSpPr/>
+        <p:nvPr/>
+      </p:nvGrpSpPr>
+      <p:grpSpPr>
+        <a:xfrm>
+          <a:off x="0" y="0"/>
+          <a:ext cx="0" cy="0"/>
+          <a:chOff x="0" y="0"/>
+          <a:chExt cx="0" cy="0"/>
+        </a:xfrm>
+      </p:grpSpPr>
+      <p:sp>
+        <p:nvSpPr>
+          <p:cNvPr id="2" name="Cím 1"/>
+          <p:cNvSpPr>
+            <a:spLocks noGrp="1"/>
+          </p:cNvSpPr>
+          <p:nvPr>
+            <p:ph type="title"/>
+          </p:nvPr>
+        </p:nvSpPr>
+        <p:spPr>
+          <a:xfrm>
+            <a:off x="628650" y="817417"/>
+            <a:ext cx="7886700" cy="450599"/>
+          </a:xfrm>
+        </p:spPr>
+        <p:txBody>
+          <a:bodyPr>
+            <a:noAutofit/>
+          </a:bodyPr>
+          <a:lstStyle/>
+          <a:p>
+            <a:r>
+              <a:rPr lang="hu-HU" sz="3200" b="1" dirty="0"/>
+              <a:t>Főbb feladataim</a:t>
+            </a:r>
+          </a:p>
+        </p:txBody>
+      </p:sp>
+      <p:sp>
+        <p:nvSpPr>
+          <p:cNvPr id="7" name="Tartalom helye 6"/>
+          <p:cNvSpPr>
+            <a:spLocks noGrp="1"/>
+          </p:cNvSpPr>
+          <p:nvPr>
+            <p:ph idx="1"/>
+          </p:nvPr>
+        </p:nvSpPr>
+        <p:spPr>
+          <a:xfrm>
+            <a:off x="628650" y="1369219"/>
+            <a:ext cx="7886700" cy="3263504"/>
+          </a:xfrm>
+        </p:spPr>
+        <p:txBody>
+          <a:bodyPr>
+            <a:normAutofit/>
+          </a:bodyPr>
+          <a:lstStyle/>
+          <a:p>
+            <a:pPr marL="285750" indent="-285750"/>
+            <a:r>
+              <a:rPr lang="hu-HU" sz="2400" dirty="0"/>
+              <a:t>Hibajegyek létrehozása (felület és implementáció)</a:t>
+            </a:r>
+          </a:p>
+          <a:p>
+            <a:pPr marL="285750" indent="-285750"/>
+            <a:r>
+              <a:rPr lang="hu-HU" sz="2400" dirty="0"/>
+              <a:t>Hibajegyek módosítása </a:t>
+            </a:r>
+          </a:p>
+          <a:p>
+            <a:pPr marL="285750" indent="-285750"/>
+            <a:r>
+              <a:rPr lang="hu-HU" sz="2400" dirty="0"/>
+              <a:t>Felhasználók hibajegyekhez rendelése</a:t>
+            </a:r>
+          </a:p>
+          <a:p>
+            <a:pPr marL="0" indent="0">
+              <a:buNone/>
+            </a:pPr>
+            <a:endParaRPr lang="hu-HU" sz="2400" dirty="0"/>
+          </a:p>
+        </p:txBody>
+      </p:sp>
+      <p:sp>
+        <p:nvSpPr>
+          <p:cNvPr id="5" name="Cím 1"/>
+          <p:cNvSpPr txBox="1">
+            <a:spLocks/>
+          </p:cNvSpPr>
+          <p:nvPr/>
+        </p:nvSpPr>
+        <p:spPr>
+          <a:xfrm rot="20305361">
+            <a:off x="7446477" y="153351"/>
+            <a:ext cx="1548465" cy="417968"/>
+          </a:xfrm>
+          <a:prstGeom prst="rect">
+            <a:avLst/>
+          </a:prstGeom>
+        </p:spPr>
+        <p:txBody>
+          <a:bodyPr vert="horz" lIns="91440" tIns="45720" rIns="91440" bIns="45720" rtlCol="0" anchor="b">
+            <a:normAutofit/>
+          </a:bodyPr>
+          <a:lstStyle>
+            <a:lvl1pPr algn="ctr" defTabSz="914400" rtl="0" eaLnBrk="1" latinLnBrk="0" hangingPunct="1">
+              <a:lnSpc>
+                <a:spcPct val="90000"/>
+              </a:lnSpc>
+              <a:spcBef>
+                <a:spcPct val="0"/>
+              </a:spcBef>
+              <a:buNone/>
+              <a:defRPr sz="6000" kern="1200">
+                <a:solidFill>
+                  <a:schemeClr val="tx1"/>
+                </a:solidFill>
+                <a:latin typeface="+mj-lt"/>
+                <a:ea typeface="+mj-ea"/>
+                <a:cs typeface="+mj-cs"/>
+              </a:defRPr>
+            </a:lvl1pPr>
+          </a:lstStyle>
+          <a:p>
+            <a:r>
+              <a:rPr lang="hu-HU" sz="1800" dirty="0" err="1"/>
+              <a:t>Issue</a:t>
+            </a:r>
+            <a:r>
+              <a:rPr lang="hu-HU" sz="1800" dirty="0"/>
+              <a:t> </a:t>
+            </a:r>
+            <a:r>
+              <a:rPr lang="hu-HU" sz="1800" dirty="0" err="1"/>
+              <a:t>Tracker</a:t>
+            </a:r>
+            <a:endParaRPr lang="hu-HU" sz="1800" dirty="0"/>
+          </a:p>
+        </p:txBody>
+      </p:sp>
+      <p:pic>
+        <p:nvPicPr>
+          <p:cNvPr id="4" name="Kép 3"/>
+          <p:cNvPicPr>
+            <a:picLocks noChangeAspect="1"/>
+          </p:cNvPicPr>
+          <p:nvPr/>
+        </p:nvPicPr>
+        <p:blipFill>
+          <a:blip r:embed="rId3">
+            <a:extLst>
+              <a:ext uri="{28A0092B-C50C-407E-A947-70E740481C1C}">
+                <a14:useLocalDpi xmlns:a14="http://schemas.microsoft.com/office/drawing/2010/main" val="0"/>
+              </a:ext>
+            </a:extLst>
+          </a:blip>
+          <a:stretch>
+            <a:fillRect/>
+          </a:stretch>
+        </p:blipFill>
+        <p:spPr>
+          <a:xfrm>
+            <a:off x="5968664" y="1775553"/>
+            <a:ext cx="2192584" cy="2486891"/>
+          </a:xfrm>
+          <a:prstGeom prst="rect">
+            <a:avLst/>
+          </a:prstGeom>
+        </p:spPr>
+      </p:pic>
+    </p:spTree>
+    <p:extLst>
+      <p:ext uri="{BB962C8B-B14F-4D97-AF65-F5344CB8AC3E}">
+        <p14:creationId xmlns:p14="http://schemas.microsoft.com/office/powerpoint/2010/main" val="3031324285"/>
+      </p:ext>
+    </p:extLst>
+  </p:cSld>
+  <p:clrMapOvr>
+    <a:masterClrMapping/>
+  </p:clrMapOvr>
+</p:sld>
+</file>
+
+<file path=ppt/slides/slide6.xml><?xml version="1.0" encoding="utf-8"?>
+<p:sld xmlns:a="http://schemas.openxmlformats.org/drawingml/2006/main" xmlns:r="http://schemas.openxmlformats.org/officeDocument/2006/relationships" xmlns:p="http://schemas.openxmlformats.org/presentationml/2006/main">
+  <p:cSld>
+    <p:spTree>
+      <p:nvGrpSpPr>
+        <p:cNvPr id="1" name=""/>
+        <p:cNvGrpSpPr/>
+        <p:nvPr/>
+      </p:nvGrpSpPr>
+      <p:grpSpPr>
+        <a:xfrm>
+          <a:off x="0" y="0"/>
+          <a:ext cx="0" cy="0"/>
+          <a:chOff x="0" y="0"/>
+          <a:chExt cx="0" cy="0"/>
+        </a:xfrm>
+      </p:grpSpPr>
+      <p:sp>
+        <p:nvSpPr>
+          <p:cNvPr id="2" name="Cím 1"/>
+          <p:cNvSpPr>
+            <a:spLocks noGrp="1"/>
+          </p:cNvSpPr>
+          <p:nvPr>
+            <p:ph type="title"/>
+          </p:nvPr>
+        </p:nvSpPr>
+        <p:spPr>
+          <a:xfrm>
+            <a:off x="628650" y="817417"/>
+            <a:ext cx="7886700" cy="450599"/>
+          </a:xfrm>
+        </p:spPr>
+        <p:txBody>
+          <a:bodyPr>
+            <a:noAutofit/>
+          </a:bodyPr>
+          <a:lstStyle/>
+          <a:p>
+            <a:r>
+              <a:rPr lang="hu-HU" sz="3200" b="1" dirty="0"/>
+              <a:t>Egyéb feladataim</a:t>
+            </a:r>
+            <a:endParaRPr lang="hu-HU" sz="3200" dirty="0"/>
+          </a:p>
+        </p:txBody>
+      </p:sp>
+      <p:sp>
+        <p:nvSpPr>
+          <p:cNvPr id="7" name="Tartalom helye 6"/>
+          <p:cNvSpPr>
+            <a:spLocks noGrp="1"/>
+          </p:cNvSpPr>
+          <p:nvPr>
+            <p:ph idx="1"/>
+          </p:nvPr>
+        </p:nvSpPr>
+        <p:spPr/>
+        <p:txBody>
+          <a:bodyPr>
+            <a:normAutofit/>
+          </a:bodyPr>
+          <a:lstStyle/>
+          <a:p>
+            <a:pPr marL="285750" indent="-285750"/>
+            <a:r>
+              <a:rPr lang="hu-HU" sz="2400" dirty="0" err="1"/>
+              <a:t>JUnit</a:t>
+            </a:r>
+            <a:r>
+              <a:rPr lang="hu-HU" sz="2400" dirty="0"/>
+              <a:t> tesztek írása</a:t>
+            </a:r>
+          </a:p>
+          <a:p>
+            <a:pPr marL="285750" indent="-285750"/>
+            <a:r>
+              <a:rPr lang="hu-HU" sz="2400" dirty="0" err="1"/>
+              <a:t>Logolás</a:t>
+            </a:r>
+            <a:r>
+              <a:rPr lang="hu-HU" sz="2400" dirty="0"/>
+              <a:t> kialakítása a projektben</a:t>
+            </a:r>
+          </a:p>
+          <a:p>
+            <a:pPr marL="0" indent="0">
+              <a:buNone/>
+            </a:pPr>
+            <a:endParaRPr lang="hu-HU" sz="2400" dirty="0"/>
+          </a:p>
+        </p:txBody>
+      </p:sp>
+      <p:sp>
+        <p:nvSpPr>
+          <p:cNvPr id="5" name="Cím 1"/>
+          <p:cNvSpPr txBox="1">
+            <a:spLocks/>
+          </p:cNvSpPr>
+          <p:nvPr/>
+        </p:nvSpPr>
+        <p:spPr>
+          <a:xfrm rot="20305361">
+            <a:off x="7446477" y="153351"/>
+            <a:ext cx="1548465" cy="417968"/>
+          </a:xfrm>
+          <a:prstGeom prst="rect">
+            <a:avLst/>
+          </a:prstGeom>
+        </p:spPr>
+        <p:txBody>
+          <a:bodyPr vert="horz" lIns="91440" tIns="45720" rIns="91440" bIns="45720" rtlCol="0" anchor="b">
+            <a:normAutofit/>
+          </a:bodyPr>
+          <a:lstStyle>
+            <a:lvl1pPr algn="ctr" defTabSz="914400" rtl="0" eaLnBrk="1" latinLnBrk="0" hangingPunct="1">
+              <a:lnSpc>
+                <a:spcPct val="90000"/>
+              </a:lnSpc>
+              <a:spcBef>
+                <a:spcPct val="0"/>
+              </a:spcBef>
+              <a:buNone/>
+              <a:defRPr sz="6000" kern="1200">
+                <a:solidFill>
+                  <a:schemeClr val="tx1"/>
+                </a:solidFill>
+                <a:latin typeface="+mj-lt"/>
+                <a:ea typeface="+mj-ea"/>
+                <a:cs typeface="+mj-cs"/>
+              </a:defRPr>
+            </a:lvl1pPr>
+          </a:lstStyle>
+          <a:p>
+            <a:r>
+              <a:rPr lang="hu-HU" sz="1800" dirty="0" err="1"/>
+              <a:t>Issue</a:t>
+            </a:r>
+            <a:r>
+              <a:rPr lang="hu-HU" sz="1800" dirty="0"/>
+              <a:t> </a:t>
+            </a:r>
+            <a:r>
+              <a:rPr lang="hu-HU" sz="1800" dirty="0" err="1"/>
+              <a:t>Tracker</a:t>
+            </a:r>
+            <a:endParaRPr lang="hu-HU" sz="1800" dirty="0"/>
+          </a:p>
+        </p:txBody>
+      </p:sp>
+      <p:pic>
+        <p:nvPicPr>
+          <p:cNvPr id="6" name="Kép 5"/>
+          <p:cNvPicPr>
+            <a:picLocks noChangeAspect="1"/>
+          </p:cNvPicPr>
+          <p:nvPr/>
+        </p:nvPicPr>
+        <p:blipFill>
+          <a:blip r:embed="rId3">
+            <a:extLst>
+              <a:ext uri="{28A0092B-C50C-407E-A947-70E740481C1C}">
+                <a14:useLocalDpi xmlns:a14="http://schemas.microsoft.com/office/drawing/2010/main" val="0"/>
+              </a:ext>
+            </a:extLst>
+          </a:blip>
+          <a:stretch>
+            <a:fillRect/>
+          </a:stretch>
+        </p:blipFill>
+        <p:spPr>
+          <a:xfrm>
+            <a:off x="3312310" y="3009955"/>
+            <a:ext cx="1705510" cy="648095"/>
+          </a:xfrm>
+          <a:prstGeom prst="rect">
+            <a:avLst/>
+          </a:prstGeom>
+        </p:spPr>
+      </p:pic>
+      <p:pic>
+        <p:nvPicPr>
+          <p:cNvPr id="8" name="Kép 7"/>
+          <p:cNvPicPr>
+            <a:picLocks noChangeAspect="1"/>
+          </p:cNvPicPr>
+          <p:nvPr/>
+        </p:nvPicPr>
+        <p:blipFill>
+          <a:blip r:embed="rId4">
+            <a:extLst>
+              <a:ext uri="{28A0092B-C50C-407E-A947-70E740481C1C}">
+                <a14:useLocalDpi xmlns:a14="http://schemas.microsoft.com/office/drawing/2010/main" val="0"/>
+              </a:ext>
+            </a:extLst>
+          </a:blip>
+          <a:stretch>
+            <a:fillRect/>
+          </a:stretch>
+        </p:blipFill>
+        <p:spPr>
+          <a:xfrm>
+            <a:off x="730250" y="2823817"/>
+            <a:ext cx="2393950" cy="1020372"/>
+          </a:xfrm>
+          <a:prstGeom prst="rect">
+            <a:avLst/>
+          </a:prstGeom>
+        </p:spPr>
+      </p:pic>
+      <p:pic>
+        <p:nvPicPr>
+          <p:cNvPr id="9" name="Kép 8"/>
+          <p:cNvPicPr>
+            <a:picLocks noChangeAspect="1"/>
+          </p:cNvPicPr>
+          <p:nvPr/>
+        </p:nvPicPr>
+        <p:blipFill>
+          <a:blip r:embed="rId5">
+            <a:extLst>
+              <a:ext uri="{28A0092B-C50C-407E-A947-70E740481C1C}">
+                <a14:useLocalDpi xmlns:a14="http://schemas.microsoft.com/office/drawing/2010/main" val="0"/>
+              </a:ext>
+            </a:extLst>
+          </a:blip>
+          <a:stretch>
+            <a:fillRect/>
+          </a:stretch>
+        </p:blipFill>
+        <p:spPr>
+          <a:xfrm>
+            <a:off x="5714669" y="2297859"/>
+            <a:ext cx="1051916" cy="1051916"/>
+          </a:xfrm>
+          <a:prstGeom prst="rect">
+            <a:avLst/>
+          </a:prstGeom>
+        </p:spPr>
+      </p:pic>
+    </p:spTree>
+    <p:extLst>
+      <p:ext uri="{BB962C8B-B14F-4D97-AF65-F5344CB8AC3E}">
+        <p14:creationId xmlns:p14="http://schemas.microsoft.com/office/powerpoint/2010/main" val="3341574295"/>
+      </p:ext>
+    </p:extLst>
+  </p:cSld>
+  <p:clrMapOvr>
+    <a:masterClrMapping/>
+  </p:clrMapOvr>
+</p:sld>
+</file>
+
+<file path=ppt/slides/slide7.xml><?xml version="1.0" encoding="utf-8"?>
+<p:sld xmlns:a="http://schemas.openxmlformats.org/drawingml/2006/main" xmlns:r="http://schemas.openxmlformats.org/officeDocument/2006/relationships" xmlns:p="http://schemas.openxmlformats.org/presentationml/2006/main">
+  <p:cSld>
+    <p:spTree>
+      <p:nvGrpSpPr>
+        <p:cNvPr id="1" name=""/>
+        <p:cNvGrpSpPr/>
+        <p:nvPr/>
+      </p:nvGrpSpPr>
+      <p:grpSpPr>
+        <a:xfrm>
+          <a:off x="0" y="0"/>
+          <a:ext cx="0" cy="0"/>
+          <a:chOff x="0" y="0"/>
+          <a:chExt cx="0" cy="0"/>
+        </a:xfrm>
+      </p:grpSpPr>
+      <p:sp>
+        <p:nvSpPr>
+          <p:cNvPr id="2" name="Cím 1"/>
+          <p:cNvSpPr>
+            <a:spLocks noGrp="1"/>
+          </p:cNvSpPr>
+          <p:nvPr>
+            <p:ph type="title"/>
+          </p:nvPr>
+        </p:nvSpPr>
+        <p:spPr>
+          <a:xfrm>
+            <a:off x="628650" y="817417"/>
+            <a:ext cx="7886700" cy="450599"/>
+          </a:xfrm>
+        </p:spPr>
+        <p:txBody>
+          <a:bodyPr>
+            <a:noAutofit/>
+          </a:bodyPr>
+          <a:lstStyle/>
+          <a:p>
+            <a:r>
+              <a:rPr lang="hu-HU" sz="3200" b="1" dirty="0"/>
+              <a:t>Egyéb feladataim</a:t>
+            </a:r>
+            <a:endParaRPr lang="hu-HU" sz="3200" dirty="0"/>
+          </a:p>
+        </p:txBody>
+      </p:sp>
+      <p:sp>
+        <p:nvSpPr>
+          <p:cNvPr id="7" name="Tartalom helye 6"/>
+          <p:cNvSpPr>
+            <a:spLocks noGrp="1"/>
+          </p:cNvSpPr>
+          <p:nvPr>
+            <p:ph idx="1"/>
+          </p:nvPr>
+        </p:nvSpPr>
+        <p:spPr/>
+        <p:txBody>
+          <a:bodyPr>
+            <a:normAutofit/>
+          </a:bodyPr>
+          <a:lstStyle/>
+          <a:p>
+            <a:r>
+              <a:rPr lang="hu-HU" sz="2400" dirty="0"/>
+              <a:t>Egy használható logó elkészítése</a:t>
+            </a:r>
+          </a:p>
+          <a:p>
+            <a:endParaRPr lang="hu-HU" sz="2400" dirty="0"/>
+          </a:p>
+        </p:txBody>
+      </p:sp>
+      <p:sp>
+        <p:nvSpPr>
+          <p:cNvPr id="5" name="Cím 1"/>
+          <p:cNvSpPr txBox="1">
+            <a:spLocks/>
+          </p:cNvSpPr>
+          <p:nvPr/>
+        </p:nvSpPr>
+        <p:spPr>
+          <a:xfrm rot="20305361">
+            <a:off x="7446477" y="153351"/>
+            <a:ext cx="1548465" cy="417968"/>
+          </a:xfrm>
+          <a:prstGeom prst="rect">
+            <a:avLst/>
+          </a:prstGeom>
+        </p:spPr>
+        <p:txBody>
+          <a:bodyPr vert="horz" lIns="91440" tIns="45720" rIns="91440" bIns="45720" rtlCol="0" anchor="b">
+            <a:normAutofit/>
+          </a:bodyPr>
+          <a:lstStyle>
+            <a:lvl1pPr algn="ctr" defTabSz="914400" rtl="0" eaLnBrk="1" latinLnBrk="0" hangingPunct="1">
+              <a:lnSpc>
+                <a:spcPct val="90000"/>
+              </a:lnSpc>
+              <a:spcBef>
+                <a:spcPct val="0"/>
+              </a:spcBef>
+              <a:buNone/>
+              <a:defRPr sz="6000" kern="1200">
+                <a:solidFill>
+                  <a:schemeClr val="tx1"/>
+                </a:solidFill>
+                <a:latin typeface="+mj-lt"/>
+                <a:ea typeface="+mj-ea"/>
+                <a:cs typeface="+mj-cs"/>
+              </a:defRPr>
+            </a:lvl1pPr>
+          </a:lstStyle>
+          <a:p>
+            <a:r>
+              <a:rPr lang="hu-HU" sz="1800" dirty="0" err="1"/>
+              <a:t>Issue</a:t>
+            </a:r>
+            <a:r>
+              <a:rPr lang="hu-HU" sz="1800" dirty="0"/>
+              <a:t> </a:t>
+            </a:r>
+            <a:r>
+              <a:rPr lang="hu-HU" sz="1800" dirty="0" err="1"/>
+              <a:t>Tracker</a:t>
+            </a:r>
+            <a:endParaRPr lang="hu-HU" sz="1800" dirty="0"/>
+          </a:p>
+        </p:txBody>
+      </p:sp>
+      <p:pic>
+        <p:nvPicPr>
+          <p:cNvPr id="4" name="Kép 3"/>
+          <p:cNvPicPr>
+            <a:picLocks noChangeAspect="1"/>
+          </p:cNvPicPr>
+          <p:nvPr/>
+        </p:nvPicPr>
+        <p:blipFill>
+          <a:blip r:embed="rId3">
+            <a:extLst>
+              <a:ext uri="{28A0092B-C50C-407E-A947-70E740481C1C}">
+                <a14:useLocalDpi xmlns:a14="http://schemas.microsoft.com/office/drawing/2010/main" val="0"/>
+              </a:ext>
+            </a:extLst>
+          </a:blip>
+          <a:stretch>
+            <a:fillRect/>
+          </a:stretch>
+        </p:blipFill>
+        <p:spPr>
+          <a:xfrm>
+            <a:off x="2276240" y="2664450"/>
+            <a:ext cx="4204658" cy="940014"/>
+          </a:xfrm>
+          <a:prstGeom prst="rect">
+            <a:avLst/>
+          </a:prstGeom>
+          <a:solidFill>
+            <a:schemeClr val="bg2">
+              <a:lumMod val="75000"/>
+              <a:alpha val="30000"/>
+            </a:schemeClr>
+          </a:solidFill>
+          <a:ln>
+            <a:noFill/>
+          </a:ln>
+          <a:effectLst>
+            <a:outerShdw blurRad="292100" dist="139700" dir="2700000" algn="tl" rotWithShape="0">
+              <a:srgbClr val="333333">
+                <a:alpha val="65000"/>
+              </a:srgbClr>
+            </a:outerShdw>
+          </a:effectLst>
+        </p:spPr>
+      </p:pic>
+    </p:spTree>
+    <p:extLst>
+      <p:ext uri="{BB962C8B-B14F-4D97-AF65-F5344CB8AC3E}">
+        <p14:creationId xmlns:p14="http://schemas.microsoft.com/office/powerpoint/2010/main" val="936038952"/>
+      </p:ext>
+    </p:extLst>
+  </p:cSld>
+  <p:clrMapOvr>
+    <a:masterClrMapping/>
+  </p:clrMapOvr>
+</p:sld>
+</file>
+
+<file path=ppt/slides/slide8.xml><?xml version="1.0" encoding="utf-8"?>
+<p:sld xmlns:a="http://schemas.openxmlformats.org/drawingml/2006/main" xmlns:r="http://schemas.openxmlformats.org/officeDocument/2006/relationships" xmlns:p="http://schemas.openxmlformats.org/presentationml/2006/main">
+  <p:cSld>
+    <p:spTree>
+      <p:nvGrpSpPr>
+        <p:cNvPr id="1" name=""/>
+        <p:cNvGrpSpPr/>
+        <p:nvPr/>
+      </p:nvGrpSpPr>
+      <p:grpSpPr>
+        <a:xfrm>
+          <a:off x="0" y="0"/>
+          <a:ext cx="0" cy="0"/>
+          <a:chOff x="0" y="0"/>
+          <a:chExt cx="0" cy="0"/>
+        </a:xfrm>
+      </p:grpSpPr>
+      <p:pic>
+        <p:nvPicPr>
+          <p:cNvPr id="8" name="Kép 7"/>
+          <p:cNvPicPr>
+            <a:picLocks noChangeAspect="1"/>
+          </p:cNvPicPr>
+          <p:nvPr/>
+        </p:nvPicPr>
+        <p:blipFill>
+          <a:blip r:embed="rId3">
+            <a:extLst>
+              <a:ext uri="{28A0092B-C50C-407E-A947-70E740481C1C}">
+                <a14:useLocalDpi xmlns:a14="http://schemas.microsoft.com/office/drawing/2010/main" val="0"/>
+              </a:ext>
+            </a:extLst>
+          </a:blip>
+          <a:stretch>
+            <a:fillRect/>
+          </a:stretch>
+        </p:blipFill>
+        <p:spPr>
+          <a:xfrm>
+            <a:off x="3062690" y="1156402"/>
+            <a:ext cx="5703756" cy="2541276"/>
+          </a:xfrm>
+          <a:prstGeom prst="rect">
+            <a:avLst/>
+          </a:prstGeom>
+        </p:spPr>
+      </p:pic>
+      <p:pic>
+        <p:nvPicPr>
+          <p:cNvPr id="4" name="Kép 3"/>
+          <p:cNvPicPr>
+            <a:picLocks noChangeAspect="1"/>
+          </p:cNvPicPr>
+          <p:nvPr/>
+        </p:nvPicPr>
+        <p:blipFill>
+          <a:blip r:embed="rId4">
+            <a:extLst>
+              <a:ext uri="{28A0092B-C50C-407E-A947-70E740481C1C}">
+                <a14:useLocalDpi xmlns:a14="http://schemas.microsoft.com/office/drawing/2010/main" val="0"/>
+              </a:ext>
+            </a:extLst>
+          </a:blip>
+          <a:stretch>
+            <a:fillRect/>
+          </a:stretch>
+        </p:blipFill>
+        <p:spPr>
+          <a:xfrm>
+            <a:off x="1782892" y="2528243"/>
+            <a:ext cx="3412671" cy="2104480"/>
+          </a:xfrm>
+          <a:prstGeom prst="rect">
+            <a:avLst/>
+          </a:prstGeom>
+        </p:spPr>
+      </p:pic>
+      <p:sp>
+        <p:nvSpPr>
+          <p:cNvPr id="2" name="Cím 1"/>
+          <p:cNvSpPr>
+            <a:spLocks noGrp="1"/>
+          </p:cNvSpPr>
+          <p:nvPr>
+            <p:ph type="title"/>
+          </p:nvPr>
+        </p:nvSpPr>
+        <p:spPr>
+          <a:xfrm>
+            <a:off x="628650" y="858326"/>
+            <a:ext cx="7886700" cy="450599"/>
+          </a:xfrm>
+        </p:spPr>
+        <p:txBody>
+          <a:bodyPr>
+            <a:noAutofit/>
+          </a:bodyPr>
+          <a:lstStyle/>
+          <a:p>
+            <a:r>
+              <a:rPr lang="hu-HU" sz="3200" b="1" dirty="0"/>
+              <a:t>Amit kaptam a képzéstől</a:t>
+            </a:r>
+          </a:p>
+        </p:txBody>
+      </p:sp>
+      <p:sp>
+        <p:nvSpPr>
+          <p:cNvPr id="7" name="Tartalom helye 6"/>
+          <p:cNvSpPr>
+            <a:spLocks noGrp="1"/>
+          </p:cNvSpPr>
+          <p:nvPr>
+            <p:ph idx="1"/>
+          </p:nvPr>
+        </p:nvSpPr>
+        <p:spPr/>
+        <p:txBody>
+          <a:bodyPr>
+            <a:normAutofit/>
+          </a:bodyPr>
+          <a:lstStyle/>
+          <a:p>
+            <a:pPr marL="285750" indent="-285750"/>
+            <a:r>
+              <a:rPr lang="hu-HU" sz="2400" dirty="0"/>
+              <a:t>Használható, korszerű tudás</a:t>
+            </a:r>
+          </a:p>
+          <a:p>
+            <a:pPr marL="285750" indent="-285750"/>
+            <a:r>
+              <a:rPr lang="hu-HU" sz="2400" dirty="0"/>
+              <a:t>Tapasztalat</a:t>
+            </a:r>
+          </a:p>
+          <a:p>
+            <a:pPr marL="285750" indent="-285750"/>
+            <a:r>
+              <a:rPr lang="hu-HU" sz="2400" dirty="0"/>
+              <a:t>Csapatmunka </a:t>
+            </a:r>
+          </a:p>
+          <a:p>
+            <a:pPr marL="0" indent="0">
+              <a:buNone/>
+            </a:pPr>
+            <a:endParaRPr lang="hu-HU" sz="2400" dirty="0"/>
+          </a:p>
+        </p:txBody>
+      </p:sp>
+      <p:sp>
+        <p:nvSpPr>
+          <p:cNvPr id="5" name="Cím 1"/>
+          <p:cNvSpPr txBox="1">
+            <a:spLocks/>
+          </p:cNvSpPr>
+          <p:nvPr/>
+        </p:nvSpPr>
+        <p:spPr>
+          <a:xfrm rot="20305361">
+            <a:off x="7446477" y="153351"/>
+            <a:ext cx="1548465" cy="417968"/>
+          </a:xfrm>
+          <a:prstGeom prst="rect">
+            <a:avLst/>
+          </a:prstGeom>
+        </p:spPr>
+        <p:txBody>
+          <a:bodyPr vert="horz" lIns="91440" tIns="45720" rIns="91440" bIns="45720" rtlCol="0" anchor="b">
+            <a:normAutofit/>
+          </a:bodyPr>
+          <a:lstStyle>
+            <a:lvl1pPr algn="ctr" defTabSz="914400" rtl="0" eaLnBrk="1" latinLnBrk="0" hangingPunct="1">
+              <a:lnSpc>
+                <a:spcPct val="90000"/>
+              </a:lnSpc>
+              <a:spcBef>
+                <a:spcPct val="0"/>
+              </a:spcBef>
+              <a:buNone/>
+              <a:defRPr sz="6000" kern="1200">
+                <a:solidFill>
+                  <a:schemeClr val="tx1"/>
+                </a:solidFill>
+                <a:latin typeface="+mj-lt"/>
+                <a:ea typeface="+mj-ea"/>
+                <a:cs typeface="+mj-cs"/>
+              </a:defRPr>
+            </a:lvl1pPr>
+          </a:lstStyle>
+          <a:p>
+            <a:r>
+              <a:rPr lang="hu-HU" sz="1800" dirty="0" err="1"/>
+              <a:t>Issue</a:t>
+            </a:r>
+            <a:r>
+              <a:rPr lang="hu-HU" sz="1800" dirty="0"/>
+              <a:t> </a:t>
+            </a:r>
+            <a:r>
+              <a:rPr lang="hu-HU" sz="1800" dirty="0" err="1"/>
+              <a:t>Tracker</a:t>
+            </a:r>
+            <a:endParaRPr lang="hu-HU" sz="1800" dirty="0"/>
+          </a:p>
+        </p:txBody>
+      </p:sp>
+    </p:spTree>
+    <p:extLst>
+      <p:ext uri="{BB962C8B-B14F-4D97-AF65-F5344CB8AC3E}">
+        <p14:creationId xmlns:p14="http://schemas.microsoft.com/office/powerpoint/2010/main" val="1757345752"/>
+      </p:ext>
+    </p:extLst>
+  </p:cSld>
+  <p:clrMapOvr>
+    <a:masterClrMapping/>
+  </p:clrMapOvr>
+</p:sld>
+</file>
+
+<file path=ppt/slides/slide9.xml><?xml version="1.0" encoding="utf-8"?>
 <p:sld xmlns:a="http://schemas.openxmlformats.org/drawingml/2006/main" xmlns:r="http://schemas.openxmlformats.org/officeDocument/2006/relationships" xmlns:p="http://schemas.openxmlformats.org/presentationml/2006/main">
   <p:cSld>
     <p:bg>
@@ -4585,1831 +5902,6 @@
     <p:extLst>
       <p:ext uri="{BB962C8B-B14F-4D97-AF65-F5344CB8AC3E}">
         <p14:creationId xmlns:p14="http://schemas.microsoft.com/office/powerpoint/2010/main" val="3541323241"/>
-      </p:ext>
-    </p:extLst>
-  </p:cSld>
-  <p:clrMapOvr>
-    <a:masterClrMapping/>
-  </p:clrMapOvr>
-</p:sld>
-</file>
-
-<file path=ppt/slides/slide2.xml><?xml version="1.0" encoding="utf-8"?>
-<p:sld xmlns:a="http://schemas.openxmlformats.org/drawingml/2006/main" xmlns:r="http://schemas.openxmlformats.org/officeDocument/2006/relationships" xmlns:p="http://schemas.openxmlformats.org/presentationml/2006/main">
-  <p:cSld>
-    <p:spTree>
-      <p:nvGrpSpPr>
-        <p:cNvPr id="1" name=""/>
-        <p:cNvGrpSpPr/>
-        <p:nvPr/>
-      </p:nvGrpSpPr>
-      <p:grpSpPr>
-        <a:xfrm>
-          <a:off x="0" y="0"/>
-          <a:ext cx="0" cy="0"/>
-          <a:chOff x="0" y="0"/>
-          <a:chExt cx="0" cy="0"/>
-        </a:xfrm>
-      </p:grpSpPr>
-      <p:pic>
-        <p:nvPicPr>
-          <p:cNvPr id="5" name="Picture" descr="C:\Users\Dávd\Downloads\Király Dávid.jpg"/>
-          <p:cNvPicPr/>
-          <p:nvPr/>
-        </p:nvPicPr>
-        <p:blipFill>
-          <a:blip r:embed="rId3"/>
-          <a:stretch>
-            <a:fillRect/>
-          </a:stretch>
-        </p:blipFill>
-        <p:spPr bwMode="auto">
-          <a:xfrm>
-            <a:off x="5154742" y="1246138"/>
-            <a:ext cx="2269136" cy="3264453"/>
-          </a:xfrm>
-          <a:prstGeom prst="rect">
-            <a:avLst/>
-          </a:prstGeom>
-          <a:noFill/>
-          <a:ln w="9525">
-            <a:noFill/>
-            <a:miter lim="800000"/>
-            <a:headEnd/>
-            <a:tailEnd/>
-          </a:ln>
-        </p:spPr>
-      </p:pic>
-      <p:sp>
-        <p:nvSpPr>
-          <p:cNvPr id="2" name="Cím 1"/>
-          <p:cNvSpPr>
-            <a:spLocks noGrp="1"/>
-          </p:cNvSpPr>
-          <p:nvPr>
-            <p:ph type="ctrTitle"/>
-          </p:nvPr>
-        </p:nvSpPr>
-        <p:spPr>
-          <a:xfrm rot="20305361">
-            <a:off x="7446477" y="153351"/>
-            <a:ext cx="1548465" cy="417968"/>
-          </a:xfrm>
-        </p:spPr>
-        <p:txBody>
-          <a:bodyPr>
-            <a:normAutofit/>
-          </a:bodyPr>
-          <a:lstStyle/>
-          <a:p>
-            <a:r>
-              <a:rPr lang="hu-HU" sz="1800" dirty="0" err="1"/>
-              <a:t>Issue</a:t>
-            </a:r>
-            <a:r>
-              <a:rPr lang="hu-HU" sz="1800" dirty="0"/>
-              <a:t> </a:t>
-            </a:r>
-            <a:r>
-              <a:rPr lang="hu-HU" sz="1800" dirty="0" err="1"/>
-              <a:t>Tracker</a:t>
-            </a:r>
-            <a:endParaRPr lang="hu-HU" sz="1800" dirty="0"/>
-          </a:p>
-        </p:txBody>
-      </p:sp>
-      <p:sp>
-        <p:nvSpPr>
-          <p:cNvPr id="4" name="Szövegdoboz 3"/>
-          <p:cNvSpPr txBox="1"/>
-          <p:nvPr/>
-        </p:nvSpPr>
-        <p:spPr>
-          <a:xfrm>
-            <a:off x="434715" y="1246138"/>
-            <a:ext cx="4317167" cy="1877437"/>
-          </a:xfrm>
-          <a:prstGeom prst="rect">
-            <a:avLst/>
-          </a:prstGeom>
-          <a:noFill/>
-        </p:spPr>
-        <p:txBody>
-          <a:bodyPr wrap="square" rtlCol="0">
-            <a:spAutoFit/>
-          </a:bodyPr>
-          <a:lstStyle/>
-          <a:p>
-            <a:endParaRPr lang="hu-HU" sz="3200" dirty="0"/>
-          </a:p>
-          <a:p>
-            <a:r>
-              <a:rPr lang="hu-HU" sz="3200" dirty="0"/>
-              <a:t>      </a:t>
-            </a:r>
-          </a:p>
-          <a:p>
-            <a:pPr algn="ctr"/>
-            <a:r>
-              <a:rPr lang="hu-HU" sz="3200" dirty="0"/>
-              <a:t> Király Dávid</a:t>
-            </a:r>
-          </a:p>
-          <a:p>
-            <a:pPr algn="ctr"/>
-            <a:r>
-              <a:rPr lang="hu-HU" sz="2000" dirty="0"/>
-              <a:t>Programtervező informatikus </a:t>
-            </a:r>
-            <a:r>
-              <a:rPr lang="hu-HU" sz="2000" dirty="0" err="1"/>
-              <a:t>Bsc</a:t>
-            </a:r>
-            <a:r>
-              <a:rPr lang="hu-HU" sz="2000" dirty="0"/>
-              <a:t>.</a:t>
-            </a:r>
-          </a:p>
-        </p:txBody>
-      </p:sp>
-    </p:spTree>
-    <p:extLst>
-      <p:ext uri="{BB962C8B-B14F-4D97-AF65-F5344CB8AC3E}">
-        <p14:creationId xmlns:p14="http://schemas.microsoft.com/office/powerpoint/2010/main" val="1869678207"/>
-      </p:ext>
-    </p:extLst>
-  </p:cSld>
-  <p:clrMapOvr>
-    <a:masterClrMapping/>
-  </p:clrMapOvr>
-</p:sld>
-</file>
-
-<file path=ppt/slides/slide3.xml><?xml version="1.0" encoding="utf-8"?>
-<p:sld xmlns:a="http://schemas.openxmlformats.org/drawingml/2006/main" xmlns:r="http://schemas.openxmlformats.org/officeDocument/2006/relationships" xmlns:p="http://schemas.openxmlformats.org/presentationml/2006/main">
-  <p:cSld>
-    <p:spTree>
-      <p:nvGrpSpPr>
-        <p:cNvPr id="1" name=""/>
-        <p:cNvGrpSpPr/>
-        <p:nvPr/>
-      </p:nvGrpSpPr>
-      <p:grpSpPr>
-        <a:xfrm>
-          <a:off x="0" y="0"/>
-          <a:ext cx="0" cy="0"/>
-          <a:chOff x="0" y="0"/>
-          <a:chExt cx="0" cy="0"/>
-        </a:xfrm>
-      </p:grpSpPr>
-      <p:sp>
-        <p:nvSpPr>
-          <p:cNvPr id="2" name="Cím 1"/>
-          <p:cNvSpPr>
-            <a:spLocks noGrp="1"/>
-          </p:cNvSpPr>
-          <p:nvPr>
-            <p:ph type="title"/>
-          </p:nvPr>
-        </p:nvSpPr>
-        <p:spPr>
-          <a:xfrm>
-            <a:off x="628650" y="817417"/>
-            <a:ext cx="7886700" cy="450599"/>
-          </a:xfrm>
-        </p:spPr>
-        <p:txBody>
-          <a:bodyPr>
-            <a:noAutofit/>
-          </a:bodyPr>
-          <a:lstStyle/>
-          <a:p>
-            <a:r>
-              <a:rPr lang="hu-HU" sz="3200" b="1" dirty="0"/>
-              <a:t>Feladataink</a:t>
-            </a:r>
-          </a:p>
-        </p:txBody>
-      </p:sp>
-      <p:sp>
-        <p:nvSpPr>
-          <p:cNvPr id="7" name="Tartalom helye 6"/>
-          <p:cNvSpPr>
-            <a:spLocks noGrp="1"/>
-          </p:cNvSpPr>
-          <p:nvPr>
-            <p:ph idx="1"/>
-          </p:nvPr>
-        </p:nvSpPr>
-        <p:spPr/>
-        <p:txBody>
-          <a:bodyPr>
-            <a:normAutofit/>
-          </a:bodyPr>
-          <a:lstStyle/>
-          <a:p>
-            <a:pPr marL="285750" indent="-285750"/>
-            <a:r>
-              <a:rPr lang="hu-HU" sz="2400" dirty="0"/>
-              <a:t>Hibajegyek felvétele</a:t>
-            </a:r>
-          </a:p>
-          <a:p>
-            <a:pPr marL="285750" indent="-285750"/>
-            <a:r>
-              <a:rPr lang="hu-HU" sz="2400" dirty="0"/>
-              <a:t>Tárolása</a:t>
-            </a:r>
-          </a:p>
-          <a:p>
-            <a:pPr marL="285750" indent="-285750"/>
-            <a:r>
-              <a:rPr lang="hu-HU" sz="2400" dirty="0"/>
-              <a:t>Kezelése</a:t>
-            </a:r>
-          </a:p>
-          <a:p>
-            <a:pPr marL="285750" indent="-285750"/>
-            <a:r>
-              <a:rPr lang="hu-HU" sz="2400" dirty="0"/>
-              <a:t>Statisztikák készítése </a:t>
-            </a:r>
-          </a:p>
-        </p:txBody>
-      </p:sp>
-      <p:sp>
-        <p:nvSpPr>
-          <p:cNvPr id="5" name="Cím 1"/>
-          <p:cNvSpPr txBox="1">
-            <a:spLocks/>
-          </p:cNvSpPr>
-          <p:nvPr/>
-        </p:nvSpPr>
-        <p:spPr>
-          <a:xfrm rot="20305361">
-            <a:off x="7446477" y="153351"/>
-            <a:ext cx="1548465" cy="417968"/>
-          </a:xfrm>
-          <a:prstGeom prst="rect">
-            <a:avLst/>
-          </a:prstGeom>
-        </p:spPr>
-        <p:txBody>
-          <a:bodyPr vert="horz" lIns="91440" tIns="45720" rIns="91440" bIns="45720" rtlCol="0" anchor="b">
-            <a:normAutofit/>
-          </a:bodyPr>
-          <a:lstStyle>
-            <a:lvl1pPr algn="ctr" defTabSz="914400" rtl="0" eaLnBrk="1" latinLnBrk="0" hangingPunct="1">
-              <a:lnSpc>
-                <a:spcPct val="90000"/>
-              </a:lnSpc>
-              <a:spcBef>
-                <a:spcPct val="0"/>
-              </a:spcBef>
-              <a:buNone/>
-              <a:defRPr sz="6000" kern="1200">
-                <a:solidFill>
-                  <a:schemeClr val="tx1"/>
-                </a:solidFill>
-                <a:latin typeface="+mj-lt"/>
-                <a:ea typeface="+mj-ea"/>
-                <a:cs typeface="+mj-cs"/>
-              </a:defRPr>
-            </a:lvl1pPr>
-          </a:lstStyle>
-          <a:p>
-            <a:r>
-              <a:rPr lang="hu-HU" sz="1800" dirty="0" err="1"/>
-              <a:t>Issue</a:t>
-            </a:r>
-            <a:r>
-              <a:rPr lang="hu-HU" sz="1800" dirty="0"/>
-              <a:t> </a:t>
-            </a:r>
-            <a:r>
-              <a:rPr lang="hu-HU" sz="1800" dirty="0" err="1"/>
-              <a:t>Tracker</a:t>
-            </a:r>
-            <a:endParaRPr lang="hu-HU" sz="1800" dirty="0"/>
-          </a:p>
-        </p:txBody>
-      </p:sp>
-      <p:pic>
-        <p:nvPicPr>
-          <p:cNvPr id="4" name="Kép 3"/>
-          <p:cNvPicPr>
-            <a:picLocks noChangeAspect="1"/>
-          </p:cNvPicPr>
-          <p:nvPr/>
-        </p:nvPicPr>
-        <p:blipFill>
-          <a:blip r:embed="rId3">
-            <a:extLst>
-              <a:ext uri="{28A0092B-C50C-407E-A947-70E740481C1C}">
-                <a14:useLocalDpi xmlns:a14="http://schemas.microsoft.com/office/drawing/2010/main" val="0"/>
-              </a:ext>
-            </a:extLst>
-          </a:blip>
-          <a:stretch>
-            <a:fillRect/>
-          </a:stretch>
-        </p:blipFill>
-        <p:spPr>
-          <a:xfrm>
-            <a:off x="4941276" y="1775553"/>
-            <a:ext cx="2857500" cy="2857500"/>
-          </a:xfrm>
-          <a:prstGeom prst="rect">
-            <a:avLst/>
-          </a:prstGeom>
-        </p:spPr>
-      </p:pic>
-    </p:spTree>
-    <p:extLst>
-      <p:ext uri="{BB962C8B-B14F-4D97-AF65-F5344CB8AC3E}">
-        <p14:creationId xmlns:p14="http://schemas.microsoft.com/office/powerpoint/2010/main" val="2025365091"/>
-      </p:ext>
-    </p:extLst>
-  </p:cSld>
-  <p:clrMapOvr>
-    <a:masterClrMapping/>
-  </p:clrMapOvr>
-</p:sld>
-</file>
-
-<file path=ppt/slides/slide4.xml><?xml version="1.0" encoding="utf-8"?>
-<p:sld xmlns:a="http://schemas.openxmlformats.org/drawingml/2006/main" xmlns:r="http://schemas.openxmlformats.org/officeDocument/2006/relationships" xmlns:p="http://schemas.openxmlformats.org/presentationml/2006/main">
-  <p:cSld>
-    <p:spTree>
-      <p:nvGrpSpPr>
-        <p:cNvPr id="1" name=""/>
-        <p:cNvGrpSpPr/>
-        <p:nvPr/>
-      </p:nvGrpSpPr>
-      <p:grpSpPr>
-        <a:xfrm>
-          <a:off x="0" y="0"/>
-          <a:ext cx="0" cy="0"/>
-          <a:chOff x="0" y="0"/>
-          <a:chExt cx="0" cy="0"/>
-        </a:xfrm>
-      </p:grpSpPr>
-      <p:pic>
-        <p:nvPicPr>
-          <p:cNvPr id="4" name="Kép 3"/>
-          <p:cNvPicPr>
-            <a:picLocks noChangeAspect="1"/>
-          </p:cNvPicPr>
-          <p:nvPr/>
-        </p:nvPicPr>
-        <p:blipFill>
-          <a:blip r:embed="rId3">
-            <a:extLst>
-              <a:ext uri="{28A0092B-C50C-407E-A947-70E740481C1C}">
-                <a14:useLocalDpi xmlns:a14="http://schemas.microsoft.com/office/drawing/2010/main" val="0"/>
-              </a:ext>
-            </a:extLst>
-          </a:blip>
-          <a:stretch>
-            <a:fillRect/>
-          </a:stretch>
-        </p:blipFill>
-        <p:spPr>
-          <a:xfrm>
-            <a:off x="3645511" y="1806655"/>
-            <a:ext cx="4224325" cy="2862638"/>
-          </a:xfrm>
-          <a:prstGeom prst="rect">
-            <a:avLst/>
-          </a:prstGeom>
-        </p:spPr>
-      </p:pic>
-      <p:sp>
-        <p:nvSpPr>
-          <p:cNvPr id="2" name="Cím 1"/>
-          <p:cNvSpPr>
-            <a:spLocks noGrp="1"/>
-          </p:cNvSpPr>
-          <p:nvPr>
-            <p:ph type="title"/>
-          </p:nvPr>
-        </p:nvSpPr>
-        <p:spPr>
-          <a:xfrm>
-            <a:off x="628650" y="817417"/>
-            <a:ext cx="7886700" cy="450599"/>
-          </a:xfrm>
-        </p:spPr>
-        <p:txBody>
-          <a:bodyPr>
-            <a:noAutofit/>
-          </a:bodyPr>
-          <a:lstStyle/>
-          <a:p>
-            <a:r>
-              <a:rPr lang="hu-HU" sz="3200" b="1" dirty="0"/>
-              <a:t>Csapatmunka</a:t>
-            </a:r>
-          </a:p>
-        </p:txBody>
-      </p:sp>
-      <p:sp>
-        <p:nvSpPr>
-          <p:cNvPr id="7" name="Tartalom helye 6"/>
-          <p:cNvSpPr>
-            <a:spLocks noGrp="1"/>
-          </p:cNvSpPr>
-          <p:nvPr>
-            <p:ph idx="1"/>
-          </p:nvPr>
-        </p:nvSpPr>
-        <p:spPr/>
-        <p:txBody>
-          <a:bodyPr>
-            <a:normAutofit/>
-          </a:bodyPr>
-          <a:lstStyle/>
-          <a:p>
-            <a:pPr marL="285750" indent="-285750"/>
-            <a:r>
-              <a:rPr lang="hu-HU" sz="2400" dirty="0"/>
-              <a:t>Nagyobb feladatok felbontása kisebb </a:t>
-            </a:r>
-            <a:r>
-              <a:rPr lang="hu-HU" sz="2400" dirty="0" err="1"/>
-              <a:t>taskokra</a:t>
-            </a:r>
-            <a:endParaRPr lang="hu-HU" sz="2400" dirty="0"/>
-          </a:p>
-          <a:p>
-            <a:pPr marL="285750" indent="-285750"/>
-            <a:r>
-              <a:rPr lang="hu-HU" sz="2400" dirty="0"/>
-              <a:t>Tesztek írása a szolgáltatásokhoz</a:t>
-            </a:r>
-          </a:p>
-          <a:p>
-            <a:pPr marL="285750" indent="-285750"/>
-            <a:r>
-              <a:rPr lang="hu-HU" sz="2400" dirty="0"/>
-              <a:t>Heti </a:t>
-            </a:r>
-            <a:r>
-              <a:rPr lang="hu-HU" sz="2400" dirty="0" err="1"/>
-              <a:t>demózás</a:t>
-            </a:r>
-            <a:r>
-              <a:rPr lang="hu-HU" sz="2400" dirty="0"/>
-              <a:t> (SCRUM)</a:t>
-            </a:r>
-          </a:p>
-          <a:p>
-            <a:pPr marL="285750" indent="-285750"/>
-            <a:r>
-              <a:rPr lang="hu-HU" sz="2400" dirty="0"/>
-              <a:t>Iteratív fejlesztés</a:t>
-            </a:r>
-          </a:p>
-        </p:txBody>
-      </p:sp>
-      <p:sp>
-        <p:nvSpPr>
-          <p:cNvPr id="5" name="Cím 1"/>
-          <p:cNvSpPr txBox="1">
-            <a:spLocks/>
-          </p:cNvSpPr>
-          <p:nvPr/>
-        </p:nvSpPr>
-        <p:spPr>
-          <a:xfrm rot="20305361">
-            <a:off x="7446477" y="153351"/>
-            <a:ext cx="1548465" cy="417968"/>
-          </a:xfrm>
-          <a:prstGeom prst="rect">
-            <a:avLst/>
-          </a:prstGeom>
-        </p:spPr>
-        <p:txBody>
-          <a:bodyPr vert="horz" lIns="91440" tIns="45720" rIns="91440" bIns="45720" rtlCol="0" anchor="b">
-            <a:normAutofit/>
-          </a:bodyPr>
-          <a:lstStyle>
-            <a:lvl1pPr algn="ctr" defTabSz="914400" rtl="0" eaLnBrk="1" latinLnBrk="0" hangingPunct="1">
-              <a:lnSpc>
-                <a:spcPct val="90000"/>
-              </a:lnSpc>
-              <a:spcBef>
-                <a:spcPct val="0"/>
-              </a:spcBef>
-              <a:buNone/>
-              <a:defRPr sz="6000" kern="1200">
-                <a:solidFill>
-                  <a:schemeClr val="tx1"/>
-                </a:solidFill>
-                <a:latin typeface="+mj-lt"/>
-                <a:ea typeface="+mj-ea"/>
-                <a:cs typeface="+mj-cs"/>
-              </a:defRPr>
-            </a:lvl1pPr>
-          </a:lstStyle>
-          <a:p>
-            <a:r>
-              <a:rPr lang="hu-HU" sz="1800" dirty="0" err="1"/>
-              <a:t>Issue</a:t>
-            </a:r>
-            <a:r>
-              <a:rPr lang="hu-HU" sz="1800" dirty="0"/>
-              <a:t> </a:t>
-            </a:r>
-            <a:r>
-              <a:rPr lang="hu-HU" sz="1800" dirty="0" err="1"/>
-              <a:t>Tracker</a:t>
-            </a:r>
-            <a:endParaRPr lang="hu-HU" sz="1800" dirty="0"/>
-          </a:p>
-        </p:txBody>
-      </p:sp>
-    </p:spTree>
-    <p:extLst>
-      <p:ext uri="{BB962C8B-B14F-4D97-AF65-F5344CB8AC3E}">
-        <p14:creationId xmlns:p14="http://schemas.microsoft.com/office/powerpoint/2010/main" val="156947196"/>
-      </p:ext>
-    </p:extLst>
-  </p:cSld>
-  <p:clrMapOvr>
-    <a:masterClrMapping/>
-  </p:clrMapOvr>
-</p:sld>
-</file>
-
-<file path=ppt/slides/slide5.xml><?xml version="1.0" encoding="utf-8"?>
-<p:sld xmlns:a="http://schemas.openxmlformats.org/drawingml/2006/main" xmlns:r="http://schemas.openxmlformats.org/officeDocument/2006/relationships" xmlns:p="http://schemas.openxmlformats.org/presentationml/2006/main">
-  <p:cSld>
-    <p:spTree>
-      <p:nvGrpSpPr>
-        <p:cNvPr id="1" name=""/>
-        <p:cNvGrpSpPr/>
-        <p:nvPr/>
-      </p:nvGrpSpPr>
-      <p:grpSpPr>
-        <a:xfrm>
-          <a:off x="0" y="0"/>
-          <a:ext cx="0" cy="0"/>
-          <a:chOff x="0" y="0"/>
-          <a:chExt cx="0" cy="0"/>
-        </a:xfrm>
-      </p:grpSpPr>
-      <p:sp>
-        <p:nvSpPr>
-          <p:cNvPr id="2" name="Cím 1"/>
-          <p:cNvSpPr>
-            <a:spLocks noGrp="1"/>
-          </p:cNvSpPr>
-          <p:nvPr>
-            <p:ph type="title"/>
-          </p:nvPr>
-        </p:nvSpPr>
-        <p:spPr>
-          <a:xfrm>
-            <a:off x="628650" y="817417"/>
-            <a:ext cx="7886700" cy="450599"/>
-          </a:xfrm>
-        </p:spPr>
-        <p:txBody>
-          <a:bodyPr>
-            <a:noAutofit/>
-          </a:bodyPr>
-          <a:lstStyle/>
-          <a:p>
-            <a:r>
-              <a:rPr lang="hu-HU" sz="3200" b="1" dirty="0"/>
-              <a:t>Felhasznált technológiák: </a:t>
-            </a:r>
-          </a:p>
-        </p:txBody>
-      </p:sp>
-      <p:sp>
-        <p:nvSpPr>
-          <p:cNvPr id="5" name="Cím 1"/>
-          <p:cNvSpPr txBox="1">
-            <a:spLocks/>
-          </p:cNvSpPr>
-          <p:nvPr/>
-        </p:nvSpPr>
-        <p:spPr>
-          <a:xfrm rot="20305361">
-            <a:off x="7446477" y="153351"/>
-            <a:ext cx="1548465" cy="417968"/>
-          </a:xfrm>
-          <a:prstGeom prst="rect">
-            <a:avLst/>
-          </a:prstGeom>
-        </p:spPr>
-        <p:txBody>
-          <a:bodyPr vert="horz" lIns="91440" tIns="45720" rIns="91440" bIns="45720" rtlCol="0" anchor="b">
-            <a:normAutofit/>
-          </a:bodyPr>
-          <a:lstStyle>
-            <a:lvl1pPr algn="ctr" defTabSz="914400" rtl="0" eaLnBrk="1" latinLnBrk="0" hangingPunct="1">
-              <a:lnSpc>
-                <a:spcPct val="90000"/>
-              </a:lnSpc>
-              <a:spcBef>
-                <a:spcPct val="0"/>
-              </a:spcBef>
-              <a:buNone/>
-              <a:defRPr sz="6000" kern="1200">
-                <a:solidFill>
-                  <a:schemeClr val="tx1"/>
-                </a:solidFill>
-                <a:latin typeface="+mj-lt"/>
-                <a:ea typeface="+mj-ea"/>
-                <a:cs typeface="+mj-cs"/>
-              </a:defRPr>
-            </a:lvl1pPr>
-          </a:lstStyle>
-          <a:p>
-            <a:r>
-              <a:rPr lang="hu-HU" sz="1800" dirty="0" err="1"/>
-              <a:t>Issue</a:t>
-            </a:r>
-            <a:r>
-              <a:rPr lang="hu-HU" sz="1800" dirty="0"/>
-              <a:t> </a:t>
-            </a:r>
-            <a:r>
-              <a:rPr lang="hu-HU" sz="1800" dirty="0" err="1"/>
-              <a:t>Tracker</a:t>
-            </a:r>
-            <a:endParaRPr lang="hu-HU" sz="1800" dirty="0"/>
-          </a:p>
-        </p:txBody>
-      </p:sp>
-      <p:pic>
-        <p:nvPicPr>
-          <p:cNvPr id="6" name="Tartalom helye 5"/>
-          <p:cNvPicPr>
-            <a:picLocks noGrp="1" noChangeAspect="1"/>
-          </p:cNvPicPr>
-          <p:nvPr>
-            <p:ph idx="1"/>
-          </p:nvPr>
-        </p:nvPicPr>
-        <p:blipFill>
-          <a:blip r:embed="rId3" cstate="print">
-            <a:extLst>
-              <a:ext uri="{28A0092B-C50C-407E-A947-70E740481C1C}">
-                <a14:useLocalDpi xmlns:a14="http://schemas.microsoft.com/office/drawing/2010/main" val="0"/>
-              </a:ext>
-            </a:extLst>
-          </a:blip>
-          <a:stretch>
-            <a:fillRect/>
-          </a:stretch>
-        </p:blipFill>
-        <p:spPr>
-          <a:xfrm>
-            <a:off x="3365916" y="1664672"/>
-            <a:ext cx="2105493" cy="537494"/>
-          </a:xfrm>
-          <a:prstGeom prst="rect">
-            <a:avLst/>
-          </a:prstGeom>
-        </p:spPr>
-      </p:pic>
-      <p:pic>
-        <p:nvPicPr>
-          <p:cNvPr id="8" name="Kép 7"/>
-          <p:cNvPicPr>
-            <a:picLocks noChangeAspect="1"/>
-          </p:cNvPicPr>
-          <p:nvPr/>
-        </p:nvPicPr>
-        <p:blipFill>
-          <a:blip r:embed="rId4">
-            <a:extLst>
-              <a:ext uri="{28A0092B-C50C-407E-A947-70E740481C1C}">
-                <a14:useLocalDpi xmlns:a14="http://schemas.microsoft.com/office/drawing/2010/main" val="0"/>
-              </a:ext>
-            </a:extLst>
-          </a:blip>
-          <a:stretch>
-            <a:fillRect/>
-          </a:stretch>
-        </p:blipFill>
-        <p:spPr>
-          <a:xfrm>
-            <a:off x="1428332" y="2202166"/>
-            <a:ext cx="1937584" cy="1134012"/>
-          </a:xfrm>
-          <a:prstGeom prst="rect">
-            <a:avLst/>
-          </a:prstGeom>
-        </p:spPr>
-      </p:pic>
-      <p:pic>
-        <p:nvPicPr>
-          <p:cNvPr id="9" name="Kép 8"/>
-          <p:cNvPicPr>
-            <a:picLocks noChangeAspect="1"/>
-          </p:cNvPicPr>
-          <p:nvPr/>
-        </p:nvPicPr>
-        <p:blipFill>
-          <a:blip r:embed="rId5">
-            <a:extLst>
-              <a:ext uri="{28A0092B-C50C-407E-A947-70E740481C1C}">
-                <a14:useLocalDpi xmlns:a14="http://schemas.microsoft.com/office/drawing/2010/main" val="0"/>
-              </a:ext>
-            </a:extLst>
-          </a:blip>
-          <a:stretch>
-            <a:fillRect/>
-          </a:stretch>
-        </p:blipFill>
-        <p:spPr>
-          <a:xfrm>
-            <a:off x="3365916" y="2410345"/>
-            <a:ext cx="1851666" cy="925833"/>
-          </a:xfrm>
-          <a:prstGeom prst="rect">
-            <a:avLst/>
-          </a:prstGeom>
-        </p:spPr>
-      </p:pic>
-      <p:pic>
-        <p:nvPicPr>
-          <p:cNvPr id="10" name="Kép 9"/>
-          <p:cNvPicPr>
-            <a:picLocks noChangeAspect="1"/>
-          </p:cNvPicPr>
-          <p:nvPr/>
-        </p:nvPicPr>
-        <p:blipFill>
-          <a:blip r:embed="rId6">
-            <a:extLst>
-              <a:ext uri="{28A0092B-C50C-407E-A947-70E740481C1C}">
-                <a14:useLocalDpi xmlns:a14="http://schemas.microsoft.com/office/drawing/2010/main" val="0"/>
-              </a:ext>
-            </a:extLst>
-          </a:blip>
-          <a:stretch>
-            <a:fillRect/>
-          </a:stretch>
-        </p:blipFill>
-        <p:spPr>
-          <a:xfrm>
-            <a:off x="1647424" y="3523767"/>
-            <a:ext cx="1718492" cy="1307402"/>
-          </a:xfrm>
-          <a:prstGeom prst="rect">
-            <a:avLst/>
-          </a:prstGeom>
-        </p:spPr>
-      </p:pic>
-      <p:pic>
-        <p:nvPicPr>
-          <p:cNvPr id="11" name="Kép 10"/>
-          <p:cNvPicPr>
-            <a:picLocks noChangeAspect="1"/>
-          </p:cNvPicPr>
-          <p:nvPr/>
-        </p:nvPicPr>
-        <p:blipFill>
-          <a:blip r:embed="rId7" cstate="print">
-            <a:extLst>
-              <a:ext uri="{28A0092B-C50C-407E-A947-70E740481C1C}">
-                <a14:useLocalDpi xmlns:a14="http://schemas.microsoft.com/office/drawing/2010/main" val="0"/>
-              </a:ext>
-            </a:extLst>
-          </a:blip>
-          <a:stretch>
-            <a:fillRect/>
-          </a:stretch>
-        </p:blipFill>
-        <p:spPr>
-          <a:xfrm>
-            <a:off x="5767061" y="1748894"/>
-            <a:ext cx="1786195" cy="986045"/>
-          </a:xfrm>
-          <a:prstGeom prst="rect">
-            <a:avLst/>
-          </a:prstGeom>
-        </p:spPr>
-      </p:pic>
-      <p:pic>
-        <p:nvPicPr>
-          <p:cNvPr id="12" name="Picture 2" descr="https://i.ytimg.com/vi/9PbZfWPUdiU/maxresdefault.jpg"/>
-          <p:cNvPicPr>
-            <a:picLocks noChangeAspect="1" noChangeArrowheads="1"/>
-          </p:cNvPicPr>
-          <p:nvPr/>
-        </p:nvPicPr>
-        <p:blipFill>
-          <a:blip r:embed="rId8" cstate="print">
-            <a:extLst>
-              <a:ext uri="{28A0092B-C50C-407E-A947-70E740481C1C}">
-                <a14:useLocalDpi xmlns:a14="http://schemas.microsoft.com/office/drawing/2010/main" val="0"/>
-              </a:ext>
-            </a:extLst>
-          </a:blip>
-          <a:srcRect/>
-          <a:stretch>
-            <a:fillRect/>
-          </a:stretch>
-        </p:blipFill>
-        <p:spPr bwMode="auto">
-          <a:xfrm>
-            <a:off x="3496732" y="3336178"/>
-            <a:ext cx="2150535" cy="1209676"/>
-          </a:xfrm>
-          <a:prstGeom prst="rect">
-            <a:avLst/>
-          </a:prstGeom>
-          <a:noFill/>
-          <a:extLst>
-            <a:ext uri="{909E8E84-426E-40DD-AFC4-6F175D3DCCD1}">
-              <a14:hiddenFill xmlns:a14="http://schemas.microsoft.com/office/drawing/2010/main">
-                <a:solidFill>
-                  <a:srgbClr val="FFFFFF"/>
-                </a:solidFill>
-              </a14:hiddenFill>
-            </a:ext>
-          </a:extLst>
-        </p:spPr>
-      </p:pic>
-      <p:pic>
-        <p:nvPicPr>
-          <p:cNvPr id="3" name="Kép 2"/>
-          <p:cNvPicPr>
-            <a:picLocks noChangeAspect="1"/>
-          </p:cNvPicPr>
-          <p:nvPr/>
-        </p:nvPicPr>
-        <p:blipFill>
-          <a:blip r:embed="rId9"/>
-          <a:stretch>
-            <a:fillRect/>
-          </a:stretch>
-        </p:blipFill>
-        <p:spPr>
-          <a:xfrm>
-            <a:off x="693317" y="1573724"/>
-            <a:ext cx="1908213" cy="719390"/>
-          </a:xfrm>
-          <a:prstGeom prst="rect">
-            <a:avLst/>
-          </a:prstGeom>
-        </p:spPr>
-      </p:pic>
-      <p:pic>
-        <p:nvPicPr>
-          <p:cNvPr id="4" name="Kép 3"/>
-          <p:cNvPicPr>
-            <a:picLocks noChangeAspect="1"/>
-          </p:cNvPicPr>
-          <p:nvPr/>
-        </p:nvPicPr>
-        <p:blipFill>
-          <a:blip r:embed="rId10"/>
-          <a:stretch>
-            <a:fillRect/>
-          </a:stretch>
-        </p:blipFill>
-        <p:spPr>
-          <a:xfrm>
-            <a:off x="5536998" y="2834656"/>
-            <a:ext cx="3340898" cy="1243692"/>
-          </a:xfrm>
-          <a:prstGeom prst="rect">
-            <a:avLst/>
-          </a:prstGeom>
-        </p:spPr>
-      </p:pic>
-      <p:pic>
-        <p:nvPicPr>
-          <p:cNvPr id="20" name="Kép 19"/>
-          <p:cNvPicPr>
-            <a:picLocks noChangeAspect="1"/>
-          </p:cNvPicPr>
-          <p:nvPr/>
-        </p:nvPicPr>
-        <p:blipFill>
-          <a:blip r:embed="rId11"/>
-          <a:stretch>
-            <a:fillRect/>
-          </a:stretch>
-        </p:blipFill>
-        <p:spPr>
-          <a:xfrm>
-            <a:off x="6348102" y="4028613"/>
-            <a:ext cx="1828959" cy="566977"/>
-          </a:xfrm>
-          <a:prstGeom prst="rect">
-            <a:avLst/>
-          </a:prstGeom>
-        </p:spPr>
-      </p:pic>
-      <p:pic>
-        <p:nvPicPr>
-          <p:cNvPr id="22" name="Kép 21"/>
-          <p:cNvPicPr>
-            <a:picLocks noChangeAspect="1"/>
-          </p:cNvPicPr>
-          <p:nvPr/>
-        </p:nvPicPr>
-        <p:blipFill>
-          <a:blip r:embed="rId12"/>
-          <a:stretch>
-            <a:fillRect/>
-          </a:stretch>
-        </p:blipFill>
-        <p:spPr>
-          <a:xfrm>
-            <a:off x="7600939" y="1664672"/>
-            <a:ext cx="1152244" cy="865707"/>
-          </a:xfrm>
-          <a:prstGeom prst="rect">
-            <a:avLst/>
-          </a:prstGeom>
-        </p:spPr>
-      </p:pic>
-    </p:spTree>
-    <p:extLst>
-      <p:ext uri="{BB962C8B-B14F-4D97-AF65-F5344CB8AC3E}">
-        <p14:creationId xmlns:p14="http://schemas.microsoft.com/office/powerpoint/2010/main" val="2554848175"/>
-      </p:ext>
-    </p:extLst>
-  </p:cSld>
-  <p:clrMapOvr>
-    <a:masterClrMapping/>
-  </p:clrMapOvr>
-</p:sld>
-</file>
-
-<file path=ppt/slides/slide6.xml><?xml version="1.0" encoding="utf-8"?>
-<p:sld xmlns:a="http://schemas.openxmlformats.org/drawingml/2006/main" xmlns:r="http://schemas.openxmlformats.org/officeDocument/2006/relationships" xmlns:p="http://schemas.openxmlformats.org/presentationml/2006/main">
-  <p:cSld>
-    <p:spTree>
-      <p:nvGrpSpPr>
-        <p:cNvPr id="1" name=""/>
-        <p:cNvGrpSpPr/>
-        <p:nvPr/>
-      </p:nvGrpSpPr>
-      <p:grpSpPr>
-        <a:xfrm>
-          <a:off x="0" y="0"/>
-          <a:ext cx="0" cy="0"/>
-          <a:chOff x="0" y="0"/>
-          <a:chExt cx="0" cy="0"/>
-        </a:xfrm>
-      </p:grpSpPr>
-      <p:sp>
-        <p:nvSpPr>
-          <p:cNvPr id="2" name="Cím 1"/>
-          <p:cNvSpPr>
-            <a:spLocks noGrp="1"/>
-          </p:cNvSpPr>
-          <p:nvPr>
-            <p:ph type="title"/>
-          </p:nvPr>
-        </p:nvSpPr>
-        <p:spPr>
-          <a:xfrm>
-            <a:off x="628650" y="817417"/>
-            <a:ext cx="7886700" cy="450599"/>
-          </a:xfrm>
-        </p:spPr>
-        <p:txBody>
-          <a:bodyPr>
-            <a:noAutofit/>
-          </a:bodyPr>
-          <a:lstStyle/>
-          <a:p>
-            <a:r>
-              <a:rPr lang="hu-HU" sz="3200" b="1" dirty="0"/>
-              <a:t>Főbb feladataim</a:t>
-            </a:r>
-          </a:p>
-        </p:txBody>
-      </p:sp>
-      <p:sp>
-        <p:nvSpPr>
-          <p:cNvPr id="7" name="Tartalom helye 6"/>
-          <p:cNvSpPr>
-            <a:spLocks noGrp="1"/>
-          </p:cNvSpPr>
-          <p:nvPr>
-            <p:ph idx="1"/>
-          </p:nvPr>
-        </p:nvSpPr>
-        <p:spPr>
-          <a:xfrm>
-            <a:off x="628650" y="1369219"/>
-            <a:ext cx="7886700" cy="3263504"/>
-          </a:xfrm>
-        </p:spPr>
-        <p:txBody>
-          <a:bodyPr>
-            <a:normAutofit/>
-          </a:bodyPr>
-          <a:lstStyle/>
-          <a:p>
-            <a:pPr marL="285750" indent="-285750"/>
-            <a:r>
-              <a:rPr lang="hu-HU" sz="2400" dirty="0"/>
-              <a:t>Hibajegyek létrehozása (felület és implementáció)</a:t>
-            </a:r>
-          </a:p>
-          <a:p>
-            <a:pPr marL="285750" indent="-285750"/>
-            <a:r>
-              <a:rPr lang="hu-HU" sz="2400" dirty="0"/>
-              <a:t>Hibajegyek módosítása </a:t>
-            </a:r>
-          </a:p>
-          <a:p>
-            <a:pPr marL="285750" indent="-285750"/>
-            <a:r>
-              <a:rPr lang="hu-HU" sz="2400" dirty="0" err="1"/>
-              <a:t>Userek</a:t>
-            </a:r>
-            <a:r>
-              <a:rPr lang="hu-HU" sz="2400" dirty="0"/>
-              <a:t> </a:t>
-            </a:r>
-            <a:r>
-              <a:rPr lang="hu-HU" sz="2400" dirty="0" err="1"/>
-              <a:t>tickethez</a:t>
-            </a:r>
-            <a:r>
-              <a:rPr lang="hu-HU" sz="2400" dirty="0"/>
-              <a:t> rendelése</a:t>
-            </a:r>
-          </a:p>
-          <a:p>
-            <a:pPr marL="0" indent="0">
-              <a:buNone/>
-            </a:pPr>
-            <a:endParaRPr lang="hu-HU" sz="2400" dirty="0"/>
-          </a:p>
-        </p:txBody>
-      </p:sp>
-      <p:sp>
-        <p:nvSpPr>
-          <p:cNvPr id="5" name="Cím 1"/>
-          <p:cNvSpPr txBox="1">
-            <a:spLocks/>
-          </p:cNvSpPr>
-          <p:nvPr/>
-        </p:nvSpPr>
-        <p:spPr>
-          <a:xfrm rot="20305361">
-            <a:off x="7446477" y="153351"/>
-            <a:ext cx="1548465" cy="417968"/>
-          </a:xfrm>
-          <a:prstGeom prst="rect">
-            <a:avLst/>
-          </a:prstGeom>
-        </p:spPr>
-        <p:txBody>
-          <a:bodyPr vert="horz" lIns="91440" tIns="45720" rIns="91440" bIns="45720" rtlCol="0" anchor="b">
-            <a:normAutofit/>
-          </a:bodyPr>
-          <a:lstStyle>
-            <a:lvl1pPr algn="ctr" defTabSz="914400" rtl="0" eaLnBrk="1" latinLnBrk="0" hangingPunct="1">
-              <a:lnSpc>
-                <a:spcPct val="90000"/>
-              </a:lnSpc>
-              <a:spcBef>
-                <a:spcPct val="0"/>
-              </a:spcBef>
-              <a:buNone/>
-              <a:defRPr sz="6000" kern="1200">
-                <a:solidFill>
-                  <a:schemeClr val="tx1"/>
-                </a:solidFill>
-                <a:latin typeface="+mj-lt"/>
-                <a:ea typeface="+mj-ea"/>
-                <a:cs typeface="+mj-cs"/>
-              </a:defRPr>
-            </a:lvl1pPr>
-          </a:lstStyle>
-          <a:p>
-            <a:r>
-              <a:rPr lang="hu-HU" sz="1800" dirty="0" err="1"/>
-              <a:t>Issue</a:t>
-            </a:r>
-            <a:r>
-              <a:rPr lang="hu-HU" sz="1800" dirty="0"/>
-              <a:t> </a:t>
-            </a:r>
-            <a:r>
-              <a:rPr lang="hu-HU" sz="1800" dirty="0" err="1"/>
-              <a:t>Tracker</a:t>
-            </a:r>
-            <a:endParaRPr lang="hu-HU" sz="1800" dirty="0"/>
-          </a:p>
-        </p:txBody>
-      </p:sp>
-      <p:pic>
-        <p:nvPicPr>
-          <p:cNvPr id="12" name="Kép 11"/>
-          <p:cNvPicPr>
-            <a:picLocks noChangeAspect="1"/>
-          </p:cNvPicPr>
-          <p:nvPr/>
-        </p:nvPicPr>
-        <p:blipFill>
-          <a:blip r:embed="rId3">
-            <a:extLst>
-              <a:ext uri="{28A0092B-C50C-407E-A947-70E740481C1C}">
-                <a14:useLocalDpi xmlns:a14="http://schemas.microsoft.com/office/drawing/2010/main" val="0"/>
-              </a:ext>
-            </a:extLst>
-          </a:blip>
-          <a:stretch>
-            <a:fillRect/>
-          </a:stretch>
-        </p:blipFill>
-        <p:spPr>
-          <a:xfrm>
-            <a:off x="4278086" y="2286740"/>
-            <a:ext cx="4125685" cy="2525929"/>
-          </a:xfrm>
-          <a:prstGeom prst="rect">
-            <a:avLst/>
-          </a:prstGeom>
-        </p:spPr>
-      </p:pic>
-    </p:spTree>
-    <p:extLst>
-      <p:ext uri="{BB962C8B-B14F-4D97-AF65-F5344CB8AC3E}">
-        <p14:creationId xmlns:p14="http://schemas.microsoft.com/office/powerpoint/2010/main" val="3031324285"/>
-      </p:ext>
-    </p:extLst>
-  </p:cSld>
-  <p:clrMapOvr>
-    <a:masterClrMapping/>
-  </p:clrMapOvr>
-</p:sld>
-</file>
-
-<file path=ppt/slides/slide7.xml><?xml version="1.0" encoding="utf-8"?>
-<p:sld xmlns:a="http://schemas.openxmlformats.org/drawingml/2006/main" xmlns:r="http://schemas.openxmlformats.org/officeDocument/2006/relationships" xmlns:p="http://schemas.openxmlformats.org/presentationml/2006/main">
-  <p:cSld>
-    <p:spTree>
-      <p:nvGrpSpPr>
-        <p:cNvPr id="1" name=""/>
-        <p:cNvGrpSpPr/>
-        <p:nvPr/>
-      </p:nvGrpSpPr>
-      <p:grpSpPr>
-        <a:xfrm>
-          <a:off x="0" y="0"/>
-          <a:ext cx="0" cy="0"/>
-          <a:chOff x="0" y="0"/>
-          <a:chExt cx="0" cy="0"/>
-        </a:xfrm>
-      </p:grpSpPr>
-      <p:sp>
-        <p:nvSpPr>
-          <p:cNvPr id="2" name="Cím 1"/>
-          <p:cNvSpPr>
-            <a:spLocks noGrp="1"/>
-          </p:cNvSpPr>
-          <p:nvPr>
-            <p:ph type="title"/>
-          </p:nvPr>
-        </p:nvSpPr>
-        <p:spPr>
-          <a:xfrm>
-            <a:off x="628650" y="817417"/>
-            <a:ext cx="7886700" cy="450599"/>
-          </a:xfrm>
-        </p:spPr>
-        <p:txBody>
-          <a:bodyPr>
-            <a:noAutofit/>
-          </a:bodyPr>
-          <a:lstStyle/>
-          <a:p>
-            <a:r>
-              <a:rPr lang="hu-HU" sz="3200" b="1" dirty="0"/>
-              <a:t>Egyéb feladataim</a:t>
-            </a:r>
-            <a:endParaRPr lang="hu-HU" sz="3200" dirty="0"/>
-          </a:p>
-        </p:txBody>
-      </p:sp>
-      <p:sp>
-        <p:nvSpPr>
-          <p:cNvPr id="7" name="Tartalom helye 6"/>
-          <p:cNvSpPr>
-            <a:spLocks noGrp="1"/>
-          </p:cNvSpPr>
-          <p:nvPr>
-            <p:ph idx="1"/>
-          </p:nvPr>
-        </p:nvSpPr>
-        <p:spPr/>
-        <p:txBody>
-          <a:bodyPr>
-            <a:normAutofit/>
-          </a:bodyPr>
-          <a:lstStyle/>
-          <a:p>
-            <a:pPr marL="285750" indent="-285750"/>
-            <a:r>
-              <a:rPr lang="hu-HU" sz="2400" dirty="0" err="1"/>
-              <a:t>Junit</a:t>
-            </a:r>
-            <a:r>
-              <a:rPr lang="hu-HU" sz="2400" dirty="0"/>
-              <a:t> tesztek írása</a:t>
-            </a:r>
-          </a:p>
-          <a:p>
-            <a:pPr marL="285750" indent="-285750"/>
-            <a:r>
-              <a:rPr lang="hu-HU" sz="2400" dirty="0" err="1"/>
-              <a:t>Logolás</a:t>
-            </a:r>
-            <a:r>
-              <a:rPr lang="hu-HU" sz="2400" dirty="0"/>
-              <a:t> kialakítása a projektben</a:t>
-            </a:r>
-          </a:p>
-          <a:p>
-            <a:pPr marL="0" indent="0">
-              <a:buNone/>
-            </a:pPr>
-            <a:endParaRPr lang="hu-HU" sz="2400" dirty="0"/>
-          </a:p>
-        </p:txBody>
-      </p:sp>
-      <p:sp>
-        <p:nvSpPr>
-          <p:cNvPr id="5" name="Cím 1"/>
-          <p:cNvSpPr txBox="1">
-            <a:spLocks/>
-          </p:cNvSpPr>
-          <p:nvPr/>
-        </p:nvSpPr>
-        <p:spPr>
-          <a:xfrm rot="20305361">
-            <a:off x="7446477" y="153351"/>
-            <a:ext cx="1548465" cy="417968"/>
-          </a:xfrm>
-          <a:prstGeom prst="rect">
-            <a:avLst/>
-          </a:prstGeom>
-        </p:spPr>
-        <p:txBody>
-          <a:bodyPr vert="horz" lIns="91440" tIns="45720" rIns="91440" bIns="45720" rtlCol="0" anchor="b">
-            <a:normAutofit/>
-          </a:bodyPr>
-          <a:lstStyle>
-            <a:lvl1pPr algn="ctr" defTabSz="914400" rtl="0" eaLnBrk="1" latinLnBrk="0" hangingPunct="1">
-              <a:lnSpc>
-                <a:spcPct val="90000"/>
-              </a:lnSpc>
-              <a:spcBef>
-                <a:spcPct val="0"/>
-              </a:spcBef>
-              <a:buNone/>
-              <a:defRPr sz="6000" kern="1200">
-                <a:solidFill>
-                  <a:schemeClr val="tx1"/>
-                </a:solidFill>
-                <a:latin typeface="+mj-lt"/>
-                <a:ea typeface="+mj-ea"/>
-                <a:cs typeface="+mj-cs"/>
-              </a:defRPr>
-            </a:lvl1pPr>
-          </a:lstStyle>
-          <a:p>
-            <a:r>
-              <a:rPr lang="hu-HU" sz="1800" dirty="0" err="1"/>
-              <a:t>Issue</a:t>
-            </a:r>
-            <a:r>
-              <a:rPr lang="hu-HU" sz="1800" dirty="0"/>
-              <a:t> </a:t>
-            </a:r>
-            <a:r>
-              <a:rPr lang="hu-HU" sz="1800" dirty="0" err="1"/>
-              <a:t>Tracker</a:t>
-            </a:r>
-            <a:endParaRPr lang="hu-HU" sz="1800" dirty="0"/>
-          </a:p>
-        </p:txBody>
-      </p:sp>
-      <p:pic>
-        <p:nvPicPr>
-          <p:cNvPr id="6" name="Kép 5"/>
-          <p:cNvPicPr>
-            <a:picLocks noChangeAspect="1"/>
-          </p:cNvPicPr>
-          <p:nvPr/>
-        </p:nvPicPr>
-        <p:blipFill>
-          <a:blip r:embed="rId3">
-            <a:extLst>
-              <a:ext uri="{28A0092B-C50C-407E-A947-70E740481C1C}">
-                <a14:useLocalDpi xmlns:a14="http://schemas.microsoft.com/office/drawing/2010/main" val="0"/>
-              </a:ext>
-            </a:extLst>
-          </a:blip>
-          <a:stretch>
-            <a:fillRect/>
-          </a:stretch>
-        </p:blipFill>
-        <p:spPr>
-          <a:xfrm>
-            <a:off x="3312310" y="3009955"/>
-            <a:ext cx="1705510" cy="648095"/>
-          </a:xfrm>
-          <a:prstGeom prst="rect">
-            <a:avLst/>
-          </a:prstGeom>
-        </p:spPr>
-      </p:pic>
-      <p:pic>
-        <p:nvPicPr>
-          <p:cNvPr id="8" name="Kép 7"/>
-          <p:cNvPicPr>
-            <a:picLocks noChangeAspect="1"/>
-          </p:cNvPicPr>
-          <p:nvPr/>
-        </p:nvPicPr>
-        <p:blipFill>
-          <a:blip r:embed="rId4">
-            <a:extLst>
-              <a:ext uri="{28A0092B-C50C-407E-A947-70E740481C1C}">
-                <a14:useLocalDpi xmlns:a14="http://schemas.microsoft.com/office/drawing/2010/main" val="0"/>
-              </a:ext>
-            </a:extLst>
-          </a:blip>
-          <a:stretch>
-            <a:fillRect/>
-          </a:stretch>
-        </p:blipFill>
-        <p:spPr>
-          <a:xfrm>
-            <a:off x="730250" y="2823817"/>
-            <a:ext cx="2393950" cy="1020372"/>
-          </a:xfrm>
-          <a:prstGeom prst="rect">
-            <a:avLst/>
-          </a:prstGeom>
-        </p:spPr>
-      </p:pic>
-      <p:pic>
-        <p:nvPicPr>
-          <p:cNvPr id="9" name="Kép 8"/>
-          <p:cNvPicPr>
-            <a:picLocks noChangeAspect="1"/>
-          </p:cNvPicPr>
-          <p:nvPr/>
-        </p:nvPicPr>
-        <p:blipFill>
-          <a:blip r:embed="rId5">
-            <a:extLst>
-              <a:ext uri="{28A0092B-C50C-407E-A947-70E740481C1C}">
-                <a14:useLocalDpi xmlns:a14="http://schemas.microsoft.com/office/drawing/2010/main" val="0"/>
-              </a:ext>
-            </a:extLst>
-          </a:blip>
-          <a:stretch>
-            <a:fillRect/>
-          </a:stretch>
-        </p:blipFill>
-        <p:spPr>
-          <a:xfrm>
-            <a:off x="6127481" y="1150250"/>
-            <a:ext cx="1051916" cy="1051916"/>
-          </a:xfrm>
-          <a:prstGeom prst="rect">
-            <a:avLst/>
-          </a:prstGeom>
-        </p:spPr>
-      </p:pic>
-    </p:spTree>
-    <p:extLst>
-      <p:ext uri="{BB962C8B-B14F-4D97-AF65-F5344CB8AC3E}">
-        <p14:creationId xmlns:p14="http://schemas.microsoft.com/office/powerpoint/2010/main" val="3341574295"/>
-      </p:ext>
-    </p:extLst>
-  </p:cSld>
-  <p:clrMapOvr>
-    <a:masterClrMapping/>
-  </p:clrMapOvr>
-</p:sld>
-</file>
-
-<file path=ppt/slides/slide8.xml><?xml version="1.0" encoding="utf-8"?>
-<p:sld xmlns:a="http://schemas.openxmlformats.org/drawingml/2006/main" xmlns:r="http://schemas.openxmlformats.org/officeDocument/2006/relationships" xmlns:p="http://schemas.openxmlformats.org/presentationml/2006/main">
-  <p:cSld>
-    <p:spTree>
-      <p:nvGrpSpPr>
-        <p:cNvPr id="1" name=""/>
-        <p:cNvGrpSpPr/>
-        <p:nvPr/>
-      </p:nvGrpSpPr>
-      <p:grpSpPr>
-        <a:xfrm>
-          <a:off x="0" y="0"/>
-          <a:ext cx="0" cy="0"/>
-          <a:chOff x="0" y="0"/>
-          <a:chExt cx="0" cy="0"/>
-        </a:xfrm>
-      </p:grpSpPr>
-      <p:sp>
-        <p:nvSpPr>
-          <p:cNvPr id="2" name="Cím 1"/>
-          <p:cNvSpPr>
-            <a:spLocks noGrp="1"/>
-          </p:cNvSpPr>
-          <p:nvPr>
-            <p:ph type="title"/>
-          </p:nvPr>
-        </p:nvSpPr>
-        <p:spPr>
-          <a:xfrm>
-            <a:off x="628650" y="817417"/>
-            <a:ext cx="7886700" cy="450599"/>
-          </a:xfrm>
-        </p:spPr>
-        <p:txBody>
-          <a:bodyPr>
-            <a:noAutofit/>
-          </a:bodyPr>
-          <a:lstStyle/>
-          <a:p>
-            <a:r>
-              <a:rPr lang="hu-HU" sz="3200" b="1" dirty="0"/>
-              <a:t>Egyéb feladataim</a:t>
-            </a:r>
-            <a:endParaRPr lang="hu-HU" sz="3200" dirty="0"/>
-          </a:p>
-        </p:txBody>
-      </p:sp>
-      <p:sp>
-        <p:nvSpPr>
-          <p:cNvPr id="7" name="Tartalom helye 6"/>
-          <p:cNvSpPr>
-            <a:spLocks noGrp="1"/>
-          </p:cNvSpPr>
-          <p:nvPr>
-            <p:ph idx="1"/>
-          </p:nvPr>
-        </p:nvSpPr>
-        <p:spPr/>
-        <p:txBody>
-          <a:bodyPr>
-            <a:normAutofit/>
-          </a:bodyPr>
-          <a:lstStyle/>
-          <a:p>
-            <a:r>
-              <a:rPr lang="hu-HU" sz="2400" dirty="0"/>
-              <a:t>Egy használható logó elkészítése</a:t>
-            </a:r>
-          </a:p>
-          <a:p>
-            <a:endParaRPr lang="hu-HU" sz="2400" dirty="0"/>
-          </a:p>
-        </p:txBody>
-      </p:sp>
-      <p:sp>
-        <p:nvSpPr>
-          <p:cNvPr id="5" name="Cím 1"/>
-          <p:cNvSpPr txBox="1">
-            <a:spLocks/>
-          </p:cNvSpPr>
-          <p:nvPr/>
-        </p:nvSpPr>
-        <p:spPr>
-          <a:xfrm rot="20305361">
-            <a:off x="7446477" y="153351"/>
-            <a:ext cx="1548465" cy="417968"/>
-          </a:xfrm>
-          <a:prstGeom prst="rect">
-            <a:avLst/>
-          </a:prstGeom>
-        </p:spPr>
-        <p:txBody>
-          <a:bodyPr vert="horz" lIns="91440" tIns="45720" rIns="91440" bIns="45720" rtlCol="0" anchor="b">
-            <a:normAutofit/>
-          </a:bodyPr>
-          <a:lstStyle>
-            <a:lvl1pPr algn="ctr" defTabSz="914400" rtl="0" eaLnBrk="1" latinLnBrk="0" hangingPunct="1">
-              <a:lnSpc>
-                <a:spcPct val="90000"/>
-              </a:lnSpc>
-              <a:spcBef>
-                <a:spcPct val="0"/>
-              </a:spcBef>
-              <a:buNone/>
-              <a:defRPr sz="6000" kern="1200">
-                <a:solidFill>
-                  <a:schemeClr val="tx1"/>
-                </a:solidFill>
-                <a:latin typeface="+mj-lt"/>
-                <a:ea typeface="+mj-ea"/>
-                <a:cs typeface="+mj-cs"/>
-              </a:defRPr>
-            </a:lvl1pPr>
-          </a:lstStyle>
-          <a:p>
-            <a:r>
-              <a:rPr lang="hu-HU" sz="1800" dirty="0" err="1"/>
-              <a:t>Issue</a:t>
-            </a:r>
-            <a:r>
-              <a:rPr lang="hu-HU" sz="1800" dirty="0"/>
-              <a:t> </a:t>
-            </a:r>
-            <a:r>
-              <a:rPr lang="hu-HU" sz="1800" dirty="0" err="1"/>
-              <a:t>Tracker</a:t>
-            </a:r>
-            <a:endParaRPr lang="hu-HU" sz="1800" dirty="0"/>
-          </a:p>
-        </p:txBody>
-      </p:sp>
-      <p:pic>
-        <p:nvPicPr>
-          <p:cNvPr id="4" name="Kép 3"/>
-          <p:cNvPicPr>
-            <a:picLocks noChangeAspect="1"/>
-          </p:cNvPicPr>
-          <p:nvPr/>
-        </p:nvPicPr>
-        <p:blipFill>
-          <a:blip r:embed="rId3">
-            <a:extLst>
-              <a:ext uri="{28A0092B-C50C-407E-A947-70E740481C1C}">
-                <a14:useLocalDpi xmlns:a14="http://schemas.microsoft.com/office/drawing/2010/main" val="0"/>
-              </a:ext>
-            </a:extLst>
-          </a:blip>
-          <a:stretch>
-            <a:fillRect/>
-          </a:stretch>
-        </p:blipFill>
-        <p:spPr>
-          <a:xfrm>
-            <a:off x="2276240" y="2664450"/>
-            <a:ext cx="4204658" cy="940014"/>
-          </a:xfrm>
-          <a:prstGeom prst="rect">
-            <a:avLst/>
-          </a:prstGeom>
-          <a:solidFill>
-            <a:schemeClr val="bg2">
-              <a:lumMod val="75000"/>
-              <a:alpha val="30000"/>
-            </a:schemeClr>
-          </a:solidFill>
-          <a:ln>
-            <a:noFill/>
-          </a:ln>
-          <a:effectLst>
-            <a:outerShdw blurRad="292100" dist="139700" dir="2700000" algn="tl" rotWithShape="0">
-              <a:srgbClr val="333333">
-                <a:alpha val="65000"/>
-              </a:srgbClr>
-            </a:outerShdw>
-          </a:effectLst>
-        </p:spPr>
-      </p:pic>
-    </p:spTree>
-    <p:extLst>
-      <p:ext uri="{BB962C8B-B14F-4D97-AF65-F5344CB8AC3E}">
-        <p14:creationId xmlns:p14="http://schemas.microsoft.com/office/powerpoint/2010/main" val="936038952"/>
-      </p:ext>
-    </p:extLst>
-  </p:cSld>
-  <p:clrMapOvr>
-    <a:masterClrMapping/>
-  </p:clrMapOvr>
-</p:sld>
-</file>
-
-<file path=ppt/slides/slide9.xml><?xml version="1.0" encoding="utf-8"?>
-<p:sld xmlns:a="http://schemas.openxmlformats.org/drawingml/2006/main" xmlns:r="http://schemas.openxmlformats.org/officeDocument/2006/relationships" xmlns:p="http://schemas.openxmlformats.org/presentationml/2006/main">
-  <p:cSld>
-    <p:spTree>
-      <p:nvGrpSpPr>
-        <p:cNvPr id="1" name=""/>
-        <p:cNvGrpSpPr/>
-        <p:nvPr/>
-      </p:nvGrpSpPr>
-      <p:grpSpPr>
-        <a:xfrm>
-          <a:off x="0" y="0"/>
-          <a:ext cx="0" cy="0"/>
-          <a:chOff x="0" y="0"/>
-          <a:chExt cx="0" cy="0"/>
-        </a:xfrm>
-      </p:grpSpPr>
-      <p:pic>
-        <p:nvPicPr>
-          <p:cNvPr id="8" name="Kép 7"/>
-          <p:cNvPicPr>
-            <a:picLocks noChangeAspect="1"/>
-          </p:cNvPicPr>
-          <p:nvPr/>
-        </p:nvPicPr>
-        <p:blipFill>
-          <a:blip r:embed="rId3">
-            <a:extLst>
-              <a:ext uri="{28A0092B-C50C-407E-A947-70E740481C1C}">
-                <a14:useLocalDpi xmlns:a14="http://schemas.microsoft.com/office/drawing/2010/main" val="0"/>
-              </a:ext>
-            </a:extLst>
-          </a:blip>
-          <a:stretch>
-            <a:fillRect/>
-          </a:stretch>
-        </p:blipFill>
-        <p:spPr>
-          <a:xfrm>
-            <a:off x="3062690" y="1156402"/>
-            <a:ext cx="5703756" cy="2541276"/>
-          </a:xfrm>
-          <a:prstGeom prst="rect">
-            <a:avLst/>
-          </a:prstGeom>
-        </p:spPr>
-      </p:pic>
-      <p:pic>
-        <p:nvPicPr>
-          <p:cNvPr id="4" name="Kép 3"/>
-          <p:cNvPicPr>
-            <a:picLocks noChangeAspect="1"/>
-          </p:cNvPicPr>
-          <p:nvPr/>
-        </p:nvPicPr>
-        <p:blipFill>
-          <a:blip r:embed="rId4">
-            <a:extLst>
-              <a:ext uri="{28A0092B-C50C-407E-A947-70E740481C1C}">
-                <a14:useLocalDpi xmlns:a14="http://schemas.microsoft.com/office/drawing/2010/main" val="0"/>
-              </a:ext>
-            </a:extLst>
-          </a:blip>
-          <a:stretch>
-            <a:fillRect/>
-          </a:stretch>
-        </p:blipFill>
-        <p:spPr>
-          <a:xfrm>
-            <a:off x="1782892" y="2528243"/>
-            <a:ext cx="3412671" cy="2104480"/>
-          </a:xfrm>
-          <a:prstGeom prst="rect">
-            <a:avLst/>
-          </a:prstGeom>
-        </p:spPr>
-      </p:pic>
-      <p:sp>
-        <p:nvSpPr>
-          <p:cNvPr id="2" name="Cím 1"/>
-          <p:cNvSpPr>
-            <a:spLocks noGrp="1"/>
-          </p:cNvSpPr>
-          <p:nvPr>
-            <p:ph type="title"/>
-          </p:nvPr>
-        </p:nvSpPr>
-        <p:spPr>
-          <a:xfrm>
-            <a:off x="628650" y="817417"/>
-            <a:ext cx="7886700" cy="450599"/>
-          </a:xfrm>
-        </p:spPr>
-        <p:txBody>
-          <a:bodyPr>
-            <a:noAutofit/>
-          </a:bodyPr>
-          <a:lstStyle/>
-          <a:p>
-            <a:r>
-              <a:rPr lang="hu-HU" sz="3200" b="1" dirty="0"/>
-              <a:t>Amit kaptam</a:t>
-            </a:r>
-          </a:p>
-        </p:txBody>
-      </p:sp>
-      <p:sp>
-        <p:nvSpPr>
-          <p:cNvPr id="7" name="Tartalom helye 6"/>
-          <p:cNvSpPr>
-            <a:spLocks noGrp="1"/>
-          </p:cNvSpPr>
-          <p:nvPr>
-            <p:ph idx="1"/>
-          </p:nvPr>
-        </p:nvSpPr>
-        <p:spPr/>
-        <p:txBody>
-          <a:bodyPr>
-            <a:normAutofit/>
-          </a:bodyPr>
-          <a:lstStyle/>
-          <a:p>
-            <a:pPr marL="285750" indent="-285750"/>
-            <a:r>
-              <a:rPr lang="hu-HU" sz="2400" dirty="0"/>
-              <a:t>Használható, korszerű tudás</a:t>
-            </a:r>
-          </a:p>
-          <a:p>
-            <a:pPr marL="285750" indent="-285750"/>
-            <a:r>
-              <a:rPr lang="hu-HU" sz="2400" dirty="0"/>
-              <a:t>Tapasztalat</a:t>
-            </a:r>
-          </a:p>
-          <a:p>
-            <a:pPr marL="285750" indent="-285750"/>
-            <a:r>
-              <a:rPr lang="hu-HU" sz="2400" dirty="0"/>
-              <a:t>Csapatmunka </a:t>
-            </a:r>
-          </a:p>
-          <a:p>
-            <a:pPr marL="0" indent="0">
-              <a:buNone/>
-            </a:pPr>
-            <a:endParaRPr lang="hu-HU" sz="2400" dirty="0"/>
-          </a:p>
-        </p:txBody>
-      </p:sp>
-      <p:sp>
-        <p:nvSpPr>
-          <p:cNvPr id="5" name="Cím 1"/>
-          <p:cNvSpPr txBox="1">
-            <a:spLocks/>
-          </p:cNvSpPr>
-          <p:nvPr/>
-        </p:nvSpPr>
-        <p:spPr>
-          <a:xfrm rot="20305361">
-            <a:off x="7446477" y="153351"/>
-            <a:ext cx="1548465" cy="417968"/>
-          </a:xfrm>
-          <a:prstGeom prst="rect">
-            <a:avLst/>
-          </a:prstGeom>
-        </p:spPr>
-        <p:txBody>
-          <a:bodyPr vert="horz" lIns="91440" tIns="45720" rIns="91440" bIns="45720" rtlCol="0" anchor="b">
-            <a:normAutofit/>
-          </a:bodyPr>
-          <a:lstStyle>
-            <a:lvl1pPr algn="ctr" defTabSz="914400" rtl="0" eaLnBrk="1" latinLnBrk="0" hangingPunct="1">
-              <a:lnSpc>
-                <a:spcPct val="90000"/>
-              </a:lnSpc>
-              <a:spcBef>
-                <a:spcPct val="0"/>
-              </a:spcBef>
-              <a:buNone/>
-              <a:defRPr sz="6000" kern="1200">
-                <a:solidFill>
-                  <a:schemeClr val="tx1"/>
-                </a:solidFill>
-                <a:latin typeface="+mj-lt"/>
-                <a:ea typeface="+mj-ea"/>
-                <a:cs typeface="+mj-cs"/>
-              </a:defRPr>
-            </a:lvl1pPr>
-          </a:lstStyle>
-          <a:p>
-            <a:r>
-              <a:rPr lang="hu-HU" sz="1800" dirty="0" err="1"/>
-              <a:t>Issue</a:t>
-            </a:r>
-            <a:r>
-              <a:rPr lang="hu-HU" sz="1800" dirty="0"/>
-              <a:t> </a:t>
-            </a:r>
-            <a:r>
-              <a:rPr lang="hu-HU" sz="1800" dirty="0" err="1"/>
-              <a:t>Tracker</a:t>
-            </a:r>
-            <a:endParaRPr lang="hu-HU" sz="1800" dirty="0"/>
-          </a:p>
-        </p:txBody>
-      </p:sp>
-    </p:spTree>
-    <p:extLst>
-      <p:ext uri="{BB962C8B-B14F-4D97-AF65-F5344CB8AC3E}">
-        <p14:creationId xmlns:p14="http://schemas.microsoft.com/office/powerpoint/2010/main" val="1757345752"/>
       </p:ext>
     </p:extLst>
   </p:cSld>
@@ -7112,18 +6604,18 @@
 </file>
 
 <file path=customXml/item2.xml><?xml version="1.0" encoding="utf-8"?>
+<p:properties xmlns:p="http://schemas.microsoft.com/office/2006/metadata/properties" xmlns:xsi="http://www.w3.org/2001/XMLSchema-instance" xmlns:pc="http://schemas.microsoft.com/office/infopath/2007/PartnerControls">
+  <documentManagement/>
+</p:properties>
+</file>
+
+<file path=customXml/item3.xml><?xml version="1.0" encoding="utf-8"?>
 <?mso-contentType ?>
 <FormTemplates xmlns="http://schemas.microsoft.com/sharepoint/v3/contenttype/forms">
   <Display>DocumentLibraryForm</Display>
   <Edit>DocumentLibraryForm</Edit>
   <New>DocumentLibraryForm</New>
 </FormTemplates>
-</file>
-
-<file path=customXml/item3.xml><?xml version="1.0" encoding="utf-8"?>
-<p:properties xmlns:p="http://schemas.microsoft.com/office/2006/metadata/properties" xmlns:xsi="http://www.w3.org/2001/XMLSchema-instance" xmlns:pc="http://schemas.microsoft.com/office/infopath/2007/PartnerControls">
-  <documentManagement/>
-</p:properties>
 </file>
 
 <file path=customXml/itemProps1.xml><?xml version="1.0" encoding="utf-8"?>
@@ -7145,14 +6637,6 @@
 </file>
 
 <file path=customXml/itemProps2.xml><?xml version="1.0" encoding="utf-8"?>
-<ds:datastoreItem xmlns:ds="http://schemas.openxmlformats.org/officeDocument/2006/customXml" ds:itemID="{166AD069-051C-46FD-A0CD-BDE143FEA57D}">
-  <ds:schemaRefs>
-    <ds:schemaRef ds:uri="http://schemas.microsoft.com/sharepoint/v3/contenttype/forms"/>
-  </ds:schemaRefs>
-</ds:datastoreItem>
-</file>
-
-<file path=customXml/itemProps3.xml><?xml version="1.0" encoding="utf-8"?>
 <ds:datastoreItem xmlns:ds="http://schemas.openxmlformats.org/officeDocument/2006/customXml" ds:itemID="{8E1455B4-EFFE-4AEE-ADC2-FE51D16F6234}">
   <ds:schemaRefs>
     <ds:schemaRef ds:uri="http://purl.org/dc/elements/1.1/"/>
@@ -7166,4 +6650,12 @@
     <ds:schemaRef ds:uri="http://www.w3.org/XML/1998/namespace"/>
   </ds:schemaRefs>
 </ds:datastoreItem>
+</file>
+
+<file path=customXml/itemProps3.xml><?xml version="1.0" encoding="utf-8"?>
+<ds:datastoreItem xmlns:ds="http://schemas.openxmlformats.org/officeDocument/2006/customXml" ds:itemID="{166AD069-051C-46FD-A0CD-BDE143FEA57D}">
+  <ds:schemaRefs>
+    <ds:schemaRef ds:uri="http://schemas.microsoft.com/sharepoint/v3/contenttype/forms"/>
+  </ds:schemaRefs>
+</ds:datastoreItem>
 </file>